--- a/lectures/lecture-16/Lecture-Live B00/Lecture 16 - Lecture.pptx
+++ b/lectures/lecture-16/Lecture-Live B00/Lecture 16 - Lecture.pptx
@@ -836,7 +836,7 @@
           <a:p>
             <a:fld id="{3A2BF66F-FEB0-48C1-A8B9-A73F54BB1A08}" type="datetimeFigureOut">
               <a:rPr lang="en-US" smtClean="0"/>
-              <a:t>11/8/2020</a:t>
+              <a:t>11/9/2020</a:t>
             </a:fld>
             <a:endParaRPr lang="en-US"/>
           </a:p>
@@ -1036,7 +1036,7 @@
           <a:p>
             <a:fld id="{3A2BF66F-FEB0-48C1-A8B9-A73F54BB1A08}" type="datetimeFigureOut">
               <a:rPr lang="en-US" smtClean="0"/>
-              <a:t>11/8/2020</a:t>
+              <a:t>11/9/2020</a:t>
             </a:fld>
             <a:endParaRPr lang="en-US"/>
           </a:p>
@@ -1246,7 +1246,7 @@
           <a:p>
             <a:fld id="{3A2BF66F-FEB0-48C1-A8B9-A73F54BB1A08}" type="datetimeFigureOut">
               <a:rPr lang="en-US" smtClean="0"/>
-              <a:t>11/8/2020</a:t>
+              <a:t>11/9/2020</a:t>
             </a:fld>
             <a:endParaRPr lang="en-US"/>
           </a:p>
@@ -1446,7 +1446,7 @@
           <a:p>
             <a:fld id="{3A2BF66F-FEB0-48C1-A8B9-A73F54BB1A08}" type="datetimeFigureOut">
               <a:rPr lang="en-US" smtClean="0"/>
-              <a:t>11/8/2020</a:t>
+              <a:t>11/9/2020</a:t>
             </a:fld>
             <a:endParaRPr lang="en-US"/>
           </a:p>
@@ -1723,7 +1723,7 @@
           <a:p>
             <a:fld id="{3A2BF66F-FEB0-48C1-A8B9-A73F54BB1A08}" type="datetimeFigureOut">
               <a:rPr lang="en-US" smtClean="0"/>
-              <a:t>11/8/2020</a:t>
+              <a:t>11/9/2020</a:t>
             </a:fld>
             <a:endParaRPr lang="en-US"/>
           </a:p>
@@ -1990,7 +1990,7 @@
           <a:p>
             <a:fld id="{3A2BF66F-FEB0-48C1-A8B9-A73F54BB1A08}" type="datetimeFigureOut">
               <a:rPr lang="en-US" smtClean="0"/>
-              <a:t>11/8/2020</a:t>
+              <a:t>11/9/2020</a:t>
             </a:fld>
             <a:endParaRPr lang="en-US"/>
           </a:p>
@@ -2404,7 +2404,7 @@
           <a:p>
             <a:fld id="{3A2BF66F-FEB0-48C1-A8B9-A73F54BB1A08}" type="datetimeFigureOut">
               <a:rPr lang="en-US" smtClean="0"/>
-              <a:t>11/8/2020</a:t>
+              <a:t>11/9/2020</a:t>
             </a:fld>
             <a:endParaRPr lang="en-US"/>
           </a:p>
@@ -2547,7 +2547,7 @@
           <a:p>
             <a:fld id="{3A2BF66F-FEB0-48C1-A8B9-A73F54BB1A08}" type="datetimeFigureOut">
               <a:rPr lang="en-US" smtClean="0"/>
-              <a:t>11/8/2020</a:t>
+              <a:t>11/9/2020</a:t>
             </a:fld>
             <a:endParaRPr lang="en-US"/>
           </a:p>
@@ -2662,7 +2662,7 @@
           <a:p>
             <a:fld id="{3A2BF66F-FEB0-48C1-A8B9-A73F54BB1A08}" type="datetimeFigureOut">
               <a:rPr lang="en-US" smtClean="0"/>
-              <a:t>11/8/2020</a:t>
+              <a:t>11/9/2020</a:t>
             </a:fld>
             <a:endParaRPr lang="en-US"/>
           </a:p>
@@ -2974,7 +2974,7 @@
           <a:p>
             <a:fld id="{3A2BF66F-FEB0-48C1-A8B9-A73F54BB1A08}" type="datetimeFigureOut">
               <a:rPr lang="en-US" smtClean="0"/>
-              <a:t>11/8/2020</a:t>
+              <a:t>11/9/2020</a:t>
             </a:fld>
             <a:endParaRPr lang="en-US"/>
           </a:p>
@@ -3264,7 +3264,7 @@
           <a:p>
             <a:fld id="{3A2BF66F-FEB0-48C1-A8B9-A73F54BB1A08}" type="datetimeFigureOut">
               <a:rPr lang="en-US" smtClean="0"/>
-              <a:t>11/8/2020</a:t>
+              <a:t>11/9/2020</a:t>
             </a:fld>
             <a:endParaRPr lang="en-US"/>
           </a:p>
@@ -3507,7 +3507,7 @@
           <a:p>
             <a:fld id="{3A2BF66F-FEB0-48C1-A8B9-A73F54BB1A08}" type="datetimeFigureOut">
               <a:rPr lang="en-US" smtClean="0"/>
-              <a:t>11/8/2020</a:t>
+              <a:t>11/9/2020</a:t>
             </a:fld>
             <a:endParaRPr lang="en-US"/>
           </a:p>
@@ -4708,7 +4708,7 @@
             </a:pPr>
             <a:r>
               <a:rPr lang="en-US" dirty="0"/>
-              <a:t>set(“Johnson, 2);</a:t>
+              <a:t>set(“Johnson”, 2);</a:t>
             </a:r>
           </a:p>
           <a:p>
@@ -4718,7 +4718,7 @@
             </a:pPr>
             <a:r>
               <a:rPr lang="en-US" dirty="0"/>
-              <a:t>set(“Williams, 3);</a:t>
+              <a:t>set(“Williams”, 3);</a:t>
             </a:r>
           </a:p>
           <a:p>
@@ -4728,7 +4728,7 @@
             </a:pPr>
             <a:r>
               <a:rPr lang="en-US" dirty="0"/>
-              <a:t>set(“Brown, 4);</a:t>
+              <a:t>set(“Brown”, 4);</a:t>
             </a:r>
           </a:p>
           <a:p>
@@ -4738,7 +4738,7 @@
             </a:pPr>
             <a:r>
               <a:rPr lang="en-US" dirty="0"/>
-              <a:t>set(“Jones, 5);</a:t>
+              <a:t>set(“Jones”, 5);</a:t>
             </a:r>
           </a:p>
           <a:p>
@@ -4748,7 +4748,7 @@
             </a:pPr>
             <a:r>
               <a:rPr lang="en-US" dirty="0"/>
-              <a:t>set(“Garcia, 6);</a:t>
+              <a:t>set(“Garcia”, 6);</a:t>
             </a:r>
           </a:p>
           <a:p>
@@ -4758,7 +4758,7 @@
             </a:pPr>
             <a:r>
               <a:rPr lang="en-US" dirty="0"/>
-              <a:t>set(“Miller, 7);</a:t>
+              <a:t>set(“Miller”, 7);</a:t>
             </a:r>
           </a:p>
           <a:p>
@@ -4768,7 +4768,7 @@
             </a:pPr>
             <a:r>
               <a:rPr lang="en-US" dirty="0"/>
-              <a:t>set(“Davis, 8);</a:t>
+              <a:t>set(“Davis”, 8);</a:t>
             </a:r>
           </a:p>
           <a:p>
@@ -4778,7 +4778,7 @@
             </a:pPr>
             <a:r>
               <a:rPr lang="en-US" dirty="0"/>
-              <a:t>set(“Rodriguez, 9);</a:t>
+              <a:t>set(“Rodriguez”, 9);</a:t>
             </a:r>
           </a:p>
           <a:p>
@@ -4788,7 +4788,7 @@
             </a:pPr>
             <a:r>
               <a:rPr lang="en-US" dirty="0"/>
-              <a:t>set(“Martinez, 10);</a:t>
+              <a:t>set(“Martinez”, 10);</a:t>
             </a:r>
           </a:p>
         </p:txBody>

--- a/lectures/lecture-16/Lecture-Live B00/Lecture 16 - Lecture.pptx
+++ b/lectures/lecture-16/Lecture-Live B00/Lecture 16 - Lecture.pptx
@@ -142,6 +142,871 @@
     </p:ext>
   </p:extLst>
 </p:presentation>
+</file>
+
+<file path=ppt/ink/ink1.xml><?xml version="1.0" encoding="utf-8"?>
+<inkml:ink xmlns:inkml="http://www.w3.org/2003/InkML">
+  <inkml:definitions>
+    <inkml:context xml:id="ctx0">
+      <inkml:inkSource xml:id="inkSrc0">
+        <inkml:traceFormat>
+          <inkml:channel name="X" type="integer" min="-2.14748E9" max="2.14748E9" units="cm"/>
+          <inkml:channel name="Y" type="integer" min="-2.14748E9" max="2.14748E9" units="cm"/>
+          <inkml:channel name="F" type="integer" max="32767" units="dev"/>
+          <inkml:channel name="OA" type="integer" max="360" units="deg"/>
+          <inkml:channel name="OE" type="integer" max="90" units="deg"/>
+        </inkml:traceFormat>
+        <inkml:channelProperties>
+          <inkml:channelProperty channel="X" name="resolution" value="1000" units="1/cm"/>
+          <inkml:channelProperty channel="Y" name="resolution" value="1000" units="1/cm"/>
+          <inkml:channelProperty channel="F" name="resolution" value="0" units="1/dev"/>
+          <inkml:channelProperty channel="OA" name="resolution" value="1000" units="1/deg"/>
+          <inkml:channelProperty channel="OE" name="resolution" value="1000" units="1/deg"/>
+        </inkml:channelProperties>
+      </inkml:inkSource>
+      <inkml:timestamp xml:id="ts0" timeString="2020-11-09T18:00:28.032"/>
+    </inkml:context>
+    <inkml:brush xml:id="br0">
+      <inkml:brushProperty name="width" value="0.05" units="cm"/>
+      <inkml:brushProperty name="height" value="0.05" units="cm"/>
+      <inkml:brushProperty name="color" value="#E71224"/>
+    </inkml:brush>
+  </inkml:definitions>
+  <inkml:trace contextRef="#ctx0" brushRef="#br0">76 21 4144 0 0,'-12'1'565'0'0,"3"-2"570"0"0,7 1-798 0 0,1 0 0 0 0,-1-1 0 0 0,0 1-1 0 0,0-1 1 0 0,0 1 0 0 0,1-1 0 0 0,-1 1 0 0 0,-3-3 0 0 0,-30-12 12422 0 0,101 32-9623 0 0,-60-15-2957 0 0,1-1 0 0 0,-1 0 0 0 0,0 0 0 0 0,1 0 0 0 0,-1-1 0 0 0,0 0 0 0 0,13-1 0 0 0,14 0 264 0 0,-10 2-243 0 0,219 22 1001 0 0,-58 4-578 0 0,-103-16-365 0 0,81 14 329 0 0,41 6 118 0 0,0-17-86 0 0,-19-29 59 0 0,-68 2-364 0 0,-83 10-308 0 0,52-2 77 0 0,75 14 335 0 0,-136-6-369 0 0,58 3 206 0 0,-60-4-211 0 0,-17-2-33 0 0,0 1 1 0 0,0-1 0 0 0,0 0-1 0 0,0 0 1 0 0,0-1-1 0 0,6 0 1 0 0,-6 0-12 0 0,-1 1 0 0 0,1 1 0 0 0,0-1 0 0 0,0 1 0 0 0,6 1 0 0 0,-7-1 0 0 0,39 4 0 0 0,-35-4 0 0 0,-3-1-20 0 0,-4 0-73 0 0,-9 0-5954 0 0,6 1 5553 0 0,1-1 0 0 0,-1 1 0 0 0,1-1-1 0 0,0 1 1 0 0,-1 0 0 0 0,1-1 0 0 0,-1 1 0 0 0,1 0 0 0 0,0 0 0 0 0,-2 2-1 0 0,-7 4-7396 0 0</inkml:trace>
+</inkml:ink>
+</file>
+
+<file path=ppt/ink/ink10.xml><?xml version="1.0" encoding="utf-8"?>
+<inkml:ink xmlns:inkml="http://www.w3.org/2003/InkML">
+  <inkml:definitions>
+    <inkml:context xml:id="ctx0">
+      <inkml:inkSource xml:id="inkSrc0">
+        <inkml:traceFormat>
+          <inkml:channel name="X" type="integer" min="-2.14748E9" max="2.14748E9" units="cm"/>
+          <inkml:channel name="Y" type="integer" min="-2.14748E9" max="2.14748E9" units="cm"/>
+          <inkml:channel name="F" type="integer" max="32767" units="dev"/>
+          <inkml:channel name="OA" type="integer" max="360" units="deg"/>
+          <inkml:channel name="OE" type="integer" max="90" units="deg"/>
+        </inkml:traceFormat>
+        <inkml:channelProperties>
+          <inkml:channelProperty channel="X" name="resolution" value="1000" units="1/cm"/>
+          <inkml:channelProperty channel="Y" name="resolution" value="1000" units="1/cm"/>
+          <inkml:channelProperty channel="F" name="resolution" value="0" units="1/dev"/>
+          <inkml:channelProperty channel="OA" name="resolution" value="1000" units="1/deg"/>
+          <inkml:channelProperty channel="OE" name="resolution" value="1000" units="1/deg"/>
+        </inkml:channelProperties>
+      </inkml:inkSource>
+      <inkml:timestamp xml:id="ts0" timeString="2020-11-09T18:00:42.327"/>
+    </inkml:context>
+    <inkml:brush xml:id="br0">
+      <inkml:brushProperty name="width" value="0.05" units="cm"/>
+      <inkml:brushProperty name="height" value="0.05" units="cm"/>
+      <inkml:brushProperty name="color" value="#E71224"/>
+    </inkml:brush>
+  </inkml:definitions>
+  <inkml:trace contextRef="#ctx0" brushRef="#br0">72 0 15664 0 0,'0'0'1571'0'0,"-12"1"-1423"0"0,9 0 185 0 0,0 0-1 0 0,1 0 0 0 0,-1 1 1 0 0,1-1-1 0 0,-1 1 0 0 0,1-1 0 0 0,-1 1 1 0 0,1 0-1 0 0,0 0 0 0 0,0 0 1 0 0,-3 4-1 0 0,-1 1 296 0 0,0 1 0 0 0,-6 12 0 0 0,12-20-558 0 0,-1 0-1 0 0,1 1 0 0 0,0-1 0 0 0,-1 1 1 0 0,1-1-1 0 0,0 1 0 0 0,0-1 1 0 0,-1 1-1 0 0,1 0 0 0 0,0-1 1 0 0,0 1-1 0 0,0-1 0 0 0,0 1 0 0 0,0-1 1 0 0,0 1-1 0 0,0-1 0 0 0,0 1 1 0 0,0 0-1 0 0,0-1 0 0 0,0 1 0 0 0,0 0 1 0 0,1-1 24 0 0,-1 1-1 0 0,0-1 1 0 0,1 0 0 0 0,-1 0 0 0 0,0 1 0 0 0,1-1-1 0 0,-1 0 1 0 0,0 0 0 0 0,1 0 0 0 0,-1 0 0 0 0,1 0-1 0 0,-1 0 1 0 0,0 1 0 0 0,1-1 0 0 0,-1 0 0 0 0,0 0-1 0 0,1 0 1 0 0,-1 0 0 0 0,1 0 0 0 0,-1 0 0 0 0,0-1 0 0 0,1 1-1 0 0,2 0 80 0 0,-1-1-1 0 0,1 0 0 0 0,-1 1 1 0 0,1-1-1 0 0,-1 0 0 0 0,1-1 1 0 0,-1 1-1 0 0,2-2 0 0 0,30-21 1064 0 0,-33 23-1224 0 0,-1 1-1 0 0,1 0 1 0 0,0-1-1 0 0,0 1 0 0 0,0 0 1 0 0,-1-1-1 0 0,1 1 0 0 0,0 0 1 0 0,0 0-1 0 0,0 0 1 0 0,0 0-1 0 0,0 0 0 0 0,-1 0 1 0 0,1 0-1 0 0,0 0 0 0 0,0 0 1 0 0,0 0-1 0 0,0 1 1 0 0,-1-1-1 0 0,1 0 0 0 0,0 0 1 0 0,0 1-1 0 0,0-1 0 0 0,-1 1 1 0 0,1-1-1 0 0,0 1 1 0 0,0-1-1 0 0,0 2 0 0 0,2-1 20 0 0,-1 1 0 0 0,0-1 0 0 0,-1 1 0 0 0,1 0 0 0 0,0-1 0 0 0,0 1 0 0 0,-1 0 0 0 0,3 4-1 0 0,7 26-619 0 0,-9-31 603 0 0,-1 15-103 0 0,-1-15-293 0 0,2-2-479 0 0,0 1 496 0 0,0-1 0 0 0,0 1 0 0 0,0-1 0 0 0,0 0 0 0 0,0 0 0 0 0,0 0 0 0 0,0 0 0 0 0,-1 0 0 0 0,1 0 0 0 0,0-1 0 0 0,1-1 0 0 0,3-1-594 0 0,5-3-696 0 0</inkml:trace>
+</inkml:ink>
+</file>
+
+<file path=ppt/ink/ink11.xml><?xml version="1.0" encoding="utf-8"?>
+<inkml:ink xmlns:inkml="http://www.w3.org/2003/InkML">
+  <inkml:definitions>
+    <inkml:context xml:id="ctx0">
+      <inkml:inkSource xml:id="inkSrc0">
+        <inkml:traceFormat>
+          <inkml:channel name="X" type="integer" min="-2.14748E9" max="2.14748E9" units="cm"/>
+          <inkml:channel name="Y" type="integer" min="-2.14748E9" max="2.14748E9" units="cm"/>
+          <inkml:channel name="F" type="integer" max="32767" units="dev"/>
+          <inkml:channel name="OA" type="integer" max="360" units="deg"/>
+          <inkml:channel name="OE" type="integer" max="90" units="deg"/>
+        </inkml:traceFormat>
+        <inkml:channelProperties>
+          <inkml:channelProperty channel="X" name="resolution" value="1000" units="1/cm"/>
+          <inkml:channelProperty channel="Y" name="resolution" value="1000" units="1/cm"/>
+          <inkml:channelProperty channel="F" name="resolution" value="0" units="1/dev"/>
+          <inkml:channelProperty channel="OA" name="resolution" value="1000" units="1/deg"/>
+          <inkml:channelProperty channel="OE" name="resolution" value="1000" units="1/deg"/>
+        </inkml:channelProperties>
+      </inkml:inkSource>
+      <inkml:timestamp xml:id="ts0" timeString="2020-11-09T18:00:42.705"/>
+    </inkml:context>
+    <inkml:brush xml:id="br0">
+      <inkml:brushProperty name="width" value="0.05" units="cm"/>
+      <inkml:brushProperty name="height" value="0.05" units="cm"/>
+      <inkml:brushProperty name="color" value="#E71224"/>
+    </inkml:brush>
+  </inkml:definitions>
+  <inkml:trace contextRef="#ctx0" brushRef="#br0">214 20 18943 0 0,'0'-1'87'0'0,"-1"0"-1"0"0,1 0 1 0 0,0 0-1 0 0,-1 0 0 0 0,1 1 1 0 0,-1-1-1 0 0,0 0 0 0 0,1 0 1 0 0,-1 0-1 0 0,0 1 0 0 0,1-1 1 0 0,-1 0-1 0 0,0 0 0 0 0,0 1 1 0 0,1-1-1 0 0,-1 1 1 0 0,0-1-1 0 0,0 1 0 0 0,0-1 1 0 0,0 1-1 0 0,0 0 0 0 0,0-1 1 0 0,0 1-1 0 0,-1 0 0 0 0,0-1 197 0 0,-1 0-1 0 0,0 0 0 0 0,1 1 0 0 0,-1 0 0 0 0,1-1 0 0 0,-1 1 0 0 0,0 0 0 0 0,1 0 0 0 0,-4 1 0 0 0,-17 1 3393 0 0,20 0-3658 0 0,1 2 31 0 0,2-3 55 0 0,-1 0 0 0 0,1 0 1 0 0,-1 0-1 0 0,0 0 0 0 0,0 0 0 0 0,1 0 0 0 0,-1-1 0 0 0,0 1 0 0 0,0 0 0 0 0,0 0 0 0 0,0-1 1 0 0,0 1-1 0 0,0 0 0 0 0,-1 0 0 0 0,1-1-66 0 0,0 1 0 0 0,0-1 1 0 0,0 1-1 0 0,0 0 0 0 0,0-1 0 0 0,0 1 0 0 0,0 0 1 0 0,0 0-1 0 0,0 0 0 0 0,0 0 0 0 0,-1 2 0 0 0,1-1-34 0 0,-1 1-1 0 0,0-1 0 0 0,0 1 0 0 0,0-1 0 0 0,0 0 0 0 0,-3 3 0 0 0,3-3 0 0 0,-1 0 0 0 0,1 0 0 0 0,0 1 1 0 0,0-1-1 0 0,0 1 0 0 0,-2 3 0 0 0,3-4 15 0 0,0 0 0 0 0,0 0 0 0 0,1 0 0 0 0,-1 0 0 0 0,0 0 0 0 0,1 0 0 0 0,0 0 0 0 0,0 0 0 0 0,-1 0 0 0 0,1 1 0 0 0,0-1 0 0 0,1 0 0 0 0,-1 0 0 0 0,0 0 0 0 0,1 0 0 0 0,-1 0 0 0 0,1 0 0 0 0,-1 0 0 0 0,1 0 0 0 0,0 0 0 0 0,0 0 0 0 0,0 0 0 0 0,3 3 0 0 0,1 2-25 0 0,1 0 0 0 0,0 0 1 0 0,1-1-1 0 0,9 8 0 0 0,-5-4-56 0 0,-10-10 107 0 0,0 1 0 0 0,0 0 0 0 0,-1-1 0 0 0,1 1 0 0 0,0 0 0 0 0,-1-1-1 0 0,1 1 1 0 0,0 0 0 0 0,-1 0 0 0 0,1 0 0 0 0,-1 0 0 0 0,1 0 0 0 0,-1 0 0 0 0,0 0 0 0 0,1 0 0 0 0,-1 0 0 0 0,0 0 0 0 0,0 0-1 0 0,0 0 1 0 0,0 0 0 0 0,0 0 0 0 0,0 0 0 0 0,0 0 0 0 0,0 0 0 0 0,0 0 0 0 0,0 0 0 0 0,0 0 0 0 0,-1 0 0 0 0,1 0 0 0 0,-2 3-94 0 0,0-2 0 0 0,1 1 0 0 0,-1 0 0 0 0,0 0 0 0 0,-1-1 0 0 0,1 1 0 0 0,-4 3 0 0 0,0-2 35 0 0,1 1 0 0 0,0-1 0 0 0,-1-1 0 0 0,0 1 0 0 0,0-1 0 0 0,0 0 1 0 0,0-1-1 0 0,-1 1 0 0 0,-11 2 0 0 0,8-3-917 0 0,0 0 1 0 0,0-1-1 0 0,-12 0 1 0 0</inkml:trace>
+</inkml:ink>
+</file>
+
+<file path=ppt/ink/ink12.xml><?xml version="1.0" encoding="utf-8"?>
+<inkml:ink xmlns:inkml="http://www.w3.org/2003/InkML">
+  <inkml:definitions>
+    <inkml:context xml:id="ctx0">
+      <inkml:inkSource xml:id="inkSrc0">
+        <inkml:traceFormat>
+          <inkml:channel name="X" type="integer" min="-2.14748E9" max="2.14748E9" units="cm"/>
+          <inkml:channel name="Y" type="integer" min="-2.14748E9" max="2.14748E9" units="cm"/>
+          <inkml:channel name="F" type="integer" max="32767" units="dev"/>
+          <inkml:channel name="OA" type="integer" max="360" units="deg"/>
+          <inkml:channel name="OE" type="integer" max="90" units="deg"/>
+        </inkml:traceFormat>
+        <inkml:channelProperties>
+          <inkml:channelProperty channel="X" name="resolution" value="1000" units="1/cm"/>
+          <inkml:channelProperty channel="Y" name="resolution" value="1000" units="1/cm"/>
+          <inkml:channelProperty channel="F" name="resolution" value="0" units="1/dev"/>
+          <inkml:channelProperty channel="OA" name="resolution" value="1000" units="1/deg"/>
+          <inkml:channelProperty channel="OE" name="resolution" value="1000" units="1/deg"/>
+        </inkml:channelProperties>
+      </inkml:inkSource>
+      <inkml:timestamp xml:id="ts0" timeString="2020-11-09T18:00:43.085"/>
+    </inkml:context>
+    <inkml:brush xml:id="br0">
+      <inkml:brushProperty name="width" value="0.05" units="cm"/>
+      <inkml:brushProperty name="height" value="0.05" units="cm"/>
+      <inkml:brushProperty name="color" value="#E71224"/>
+    </inkml:brush>
+  </inkml:definitions>
+  <inkml:trace contextRef="#ctx0" brushRef="#br0">124 1 9216 0 0,'-8'-1'12024'0'0,"-3"2"-8955"0"0,9-1-2964 0 0,1 1 0 0 0,0-1 1 0 0,0 1-1 0 0,0 0 0 0 0,0-1 0 0 0,0 1 1 0 0,0 0-1 0 0,0 0 0 0 0,0 0 1 0 0,0 0-1 0 0,0 0 0 0 0,0 0 1 0 0,0 0-1 0 0,0 0 0 0 0,1 0 1 0 0,-1 0-1 0 0,1 0 0 0 0,-1 0 1 0 0,1 0-1 0 0,-1 1 0 0 0,1-1 1 0 0,-1 0-1 0 0,1 1 0 0 0,0-1 1 0 0,0 0-1 0 0,0 0 0 0 0,0 1 1 0 0,0-1-1 0 0,0 0 0 0 0,0 1 0 0 0,0-1 1 0 0,0 0-1 0 0,1 2 0 0 0,1 3 128 0 0,0 1 1 0 0,1-1-1 0 0,0 0 0 0 0,0 1 0 0 0,5 5 0 0 0,-3-3 373 0 0,-3-5-563 0 0,0-1 0 0 0,0 1-1 0 0,0 0 1 0 0,-1 0 0 0 0,0-1 0 0 0,0 1 0 0 0,0 0 0 0 0,0 0 0 0 0,-1 0-1 0 0,1 1 1 0 0,-1 5 0 0 0,0-7-39 0 0,-1-1 0 0 0,1 1-1 0 0,-1 0 1 0 0,0-1 0 0 0,0 1 0 0 0,0 0-1 0 0,0-1 1 0 0,0 1 0 0 0,0-1 0 0 0,-1 1-1 0 0,1-1 1 0 0,-1 0 0 0 0,1 0-1 0 0,-1 0 1 0 0,0 0 0 0 0,0 0 0 0 0,0 0-1 0 0,-3 2 1 0 0,-4 2-194 0 0,1-1 0 0 0,-1 0-1 0 0,-11 5 1 0 0,3-4-2572 0 0,1 0-3612 0 0,-4-1-2488 0 0</inkml:trace>
+</inkml:ink>
+</file>
+
+<file path=ppt/ink/ink13.xml><?xml version="1.0" encoding="utf-8"?>
+<inkml:ink xmlns:inkml="http://www.w3.org/2003/InkML">
+  <inkml:definitions>
+    <inkml:context xml:id="ctx0">
+      <inkml:inkSource xml:id="inkSrc0">
+        <inkml:traceFormat>
+          <inkml:channel name="X" type="integer" min="-2.14748E9" max="2.14748E9" units="cm"/>
+          <inkml:channel name="Y" type="integer" min="-2.14748E9" max="2.14748E9" units="cm"/>
+          <inkml:channel name="F" type="integer" max="32767" units="dev"/>
+          <inkml:channel name="OA" type="integer" max="360" units="deg"/>
+          <inkml:channel name="OE" type="integer" max="90" units="deg"/>
+        </inkml:traceFormat>
+        <inkml:channelProperties>
+          <inkml:channelProperty channel="X" name="resolution" value="1000" units="1/cm"/>
+          <inkml:channelProperty channel="Y" name="resolution" value="1000" units="1/cm"/>
+          <inkml:channelProperty channel="F" name="resolution" value="0" units="1/dev"/>
+          <inkml:channelProperty channel="OA" name="resolution" value="1000" units="1/deg"/>
+          <inkml:channelProperty channel="OE" name="resolution" value="1000" units="1/deg"/>
+        </inkml:channelProperties>
+      </inkml:inkSource>
+      <inkml:timestamp xml:id="ts0" timeString="2020-11-09T18:00:43.593"/>
+    </inkml:context>
+    <inkml:brush xml:id="br0">
+      <inkml:brushProperty name="width" value="0.05" units="cm"/>
+      <inkml:brushProperty name="height" value="0.05" units="cm"/>
+      <inkml:brushProperty name="color" value="#E71224"/>
+    </inkml:brush>
+  </inkml:definitions>
+  <inkml:trace contextRef="#ctx0" brushRef="#br0">211 25 2760 0 0,'-3'-5'7716'0'0,"-5"-5"-4970"0"0,6 9-2491 0 0,0 0 1 0 0,0-1-1 0 0,0 1 0 0 0,0 0 0 0 0,1 1 0 0 0,-1-1 1 0 0,0 0-1 0 0,-1 1 0 0 0,1-1 0 0 0,0 1 0 0 0,0-1 1 0 0,0 1-1 0 0,0 0 0 0 0,0 0 0 0 0,-4 1 0 0 0,-35 6 1236 0 0,30-5-1097 0 0,4 0-217 0 0,0 0 1 0 0,1 0-1 0 0,-1 1 1 0 0,0-1-1 0 0,1 2 0 0 0,0-1 1 0 0,0 1-1 0 0,0 0 0 0 0,0 0 1 0 0,-7 6-1 0 0,10-6-157 0 0,0-1 0 0 0,0 0 0 0 0,0 1 0 0 0,0 0 0 0 0,0 0-1 0 0,1 0 1 0 0,0 0 0 0 0,0 0 0 0 0,0 0 0 0 0,0 0 0 0 0,0 1 0 0 0,1-1 0 0 0,0 1 0 0 0,0-1 0 0 0,0 1-1 0 0,0 8 1 0 0,1-12 37 0 0,0 0-1 0 0,0 0 0 0 0,0 0 0 0 0,1 0 0 0 0,-1 0 1 0 0,0 0-1 0 0,0 0 0 0 0,0 0 0 0 0,1 0 0 0 0,-1 0 1 0 0,1 0-1 0 0,-1 0 0 0 0,1-1 0 0 0,-1 1 0 0 0,1 0 0 0 0,-1 0 1 0 0,1 0-1 0 0,0 0 0 0 0,-1-1 0 0 0,1 1 0 0 0,0 0 1 0 0,0-1-1 0 0,1 2 0 0 0,-1-1-8 0 0,1-1 0 0 0,0 1 0 0 0,0 0 0 0 0,0-1 0 0 0,0 1 0 0 0,0-1 0 0 0,0 0 0 0 0,0 1 0 0 0,1-1 0 0 0,-1 0 0 0 0,2-1 0 0 0,3 1 100 0 0,0-1 1 0 0,0-1 0 0 0,0 1-1 0 0,0-1 1 0 0,13-6-1 0 0,-16 6-32 0 0,1-1 1 0 0,-1 0-1 0 0,0 1 0 0 0,0-2 0 0 0,0 1 0 0 0,0 0 0 0 0,-1-1 0 0 0,4-4 1 0 0,-7 8-107 0 0,0 0 1 0 0,0 0-1 0 0,0-1 1 0 0,0 1-1 0 0,0 0 1 0 0,0 0-1 0 0,0 0 1 0 0,1 0-1 0 0,-1 0 1 0 0,0 0-1 0 0,0 0 1 0 0,0 0-1 0 0,0-1 1 0 0,0 1-1 0 0,0 0 1 0 0,0 0 0 0 0,0 0-1 0 0,0 0 1 0 0,0 0-1 0 0,1 0 1 0 0,-1 0-1 0 0,0 0 1 0 0,0 0-1 0 0,0 0 1 0 0,0 0-1 0 0,0 0 1 0 0,0 0-1 0 0,0 0 1 0 0,0 0-1 0 0,1 0 1 0 0,-1 0-1 0 0,0 0 1 0 0,0 0-1 0 0,0 0 1 0 0,0 0 0 0 0,0 0-1 0 0,0 0 1 0 0,1 0-1 0 0,-1 0 1 0 0,0 0-1 0 0,0 0 1 0 0,0 0-1 0 0,0 0 1 0 0,0 0-1 0 0,0 0 1 0 0,0 0-1 0 0,0 0 1 0 0,1 0-1 0 0,-1 0 1 0 0,0 0-1 0 0,0 0 1 0 0,0 1-1 0 0,0-1 1 0 0,0 0 0 0 0,0 0-1 0 0,2 10 121 0 0,-3 11-86 0 0,-6 7-6 0 0,5-19-1155 0 0,0-1 0 0 0,1 1 0 0 0,-1 11 0 0 0</inkml:trace>
+</inkml:ink>
+</file>
+
+<file path=ppt/ink/ink14.xml><?xml version="1.0" encoding="utf-8"?>
+<inkml:ink xmlns:inkml="http://www.w3.org/2003/InkML">
+  <inkml:definitions>
+    <inkml:context xml:id="ctx0">
+      <inkml:inkSource xml:id="inkSrc0">
+        <inkml:traceFormat>
+          <inkml:channel name="X" type="integer" min="-2.14748E9" max="2.14748E9" units="cm"/>
+          <inkml:channel name="Y" type="integer" min="-2.14748E9" max="2.14748E9" units="cm"/>
+          <inkml:channel name="F" type="integer" max="32767" units="dev"/>
+          <inkml:channel name="OA" type="integer" max="360" units="deg"/>
+          <inkml:channel name="OE" type="integer" max="90" units="deg"/>
+        </inkml:traceFormat>
+        <inkml:channelProperties>
+          <inkml:channelProperty channel="X" name="resolution" value="1000" units="1/cm"/>
+          <inkml:channelProperty channel="Y" name="resolution" value="1000" units="1/cm"/>
+          <inkml:channelProperty channel="F" name="resolution" value="0" units="1/dev"/>
+          <inkml:channelProperty channel="OA" name="resolution" value="1000" units="1/deg"/>
+          <inkml:channelProperty channel="OE" name="resolution" value="1000" units="1/deg"/>
+        </inkml:channelProperties>
+      </inkml:inkSource>
+      <inkml:timestamp xml:id="ts0" timeString="2020-11-09T18:00:44.280"/>
+    </inkml:context>
+    <inkml:brush xml:id="br0">
+      <inkml:brushProperty name="width" value="0.05" units="cm"/>
+      <inkml:brushProperty name="height" value="0.05" units="cm"/>
+      <inkml:brushProperty name="color" value="#E71224"/>
+    </inkml:brush>
+  </inkml:definitions>
+  <inkml:trace contextRef="#ctx0" brushRef="#br0">146 0 7368 0 0,'0'0'568'0'0,"-10"8"-114"0"0,6-5 892 0 0,0-1 0 0 0,0 1 0 0 0,0-1-1 0 0,-6 4 1 0 0,6-4-784 0 0,-1 0-1 0 0,2 0 1 0 0,-1 0 0 0 0,-6 6-1 0 0,2-1-200 0 0,-3 3 568 0 0,0 0-1 0 0,-16 21 1 0 0,24-26-753 0 0,0 0 0 0 0,0 0 0 0 0,0 0 0 0 0,1 0 0 0 0,0 0 0 0 0,0 0 0 0 0,0 1 0 0 0,1-1 0 0 0,-1 1 0 0 0,0 10 0 0 0,1-6 32 0 0,1 0 0 0 0,0 0-1 0 0,1 0 1 0 0,-1 0 0 0 0,4 11 0 0 0,-4-18-121 0 0,1 0 0 0 0,0 0 1 0 0,0 0-1 0 0,0 0 0 0 0,0 0 0 0 0,1-1 1 0 0,-1 1-1 0 0,1 0 0 0 0,-1-1 1 0 0,1 1-1 0 0,0-1 0 0 0,0 0 1 0 0,0 1-1 0 0,1-1 0 0 0,-1 0 0 0 0,0 0 1 0 0,1 0-1 0 0,-1-1 0 0 0,1 1 1 0 0,5 2-1 0 0,-5-4-8 0 0,1 0 0 0 0,0 0 0 0 0,-1 0 0 0 0,1-1 0 0 0,-1 0 0 0 0,1 1 0 0 0,-1-1 0 0 0,1 0 0 0 0,-1-1 0 0 0,7-2 0 0 0,-5 1 42 0 0,1-1 0 0 0,0 0 0 0 0,-1 0 0 0 0,0 0 0 0 0,0 0 0 0 0,0-1 0 0 0,0 0 0 0 0,-1 0 0 0 0,7-10-1 0 0,-5 6-35 0 0,-1 1 0 0 0,0-1-1 0 0,-1-1 1 0 0,0 1 0 0 0,5-17-1 0 0,-8 21-57 0 0,0 0-1 0 0,-1 0 0 0 0,1 0 1 0 0,-1 0-1 0 0,0 0 0 0 0,0-1 0 0 0,-1 1 1 0 0,0 0-1 0 0,-1-7 0 0 0,1 10-154 0 0,1 0 1 0 0,-1 0-1 0 0,0-1 0 0 0,0 1 0 0 0,0 0 1 0 0,0 0-1 0 0,0 0 0 0 0,0 0 0 0 0,0 0 1 0 0,-1 0-1 0 0,1 1 0 0 0,-1-1 0 0 0,1 0 0 0 0,-1 1 1 0 0,0-1-1 0 0,1 1 0 0 0,-1 0 0 0 0,0-1 1 0 0,0 1-1 0 0,0 0 0 0 0,0 0 0 0 0,-5-1 1 0 0,-5 0-1243 0 0</inkml:trace>
+</inkml:ink>
+</file>
+
+<file path=ppt/ink/ink15.xml><?xml version="1.0" encoding="utf-8"?>
+<inkml:ink xmlns:inkml="http://www.w3.org/2003/InkML">
+  <inkml:definitions>
+    <inkml:context xml:id="ctx0">
+      <inkml:inkSource xml:id="inkSrc0">
+        <inkml:traceFormat>
+          <inkml:channel name="X" type="integer" min="-2.14748E9" max="2.14748E9" units="cm"/>
+          <inkml:channel name="Y" type="integer" min="-2.14748E9" max="2.14748E9" units="cm"/>
+          <inkml:channel name="F" type="integer" max="32767" units="dev"/>
+          <inkml:channel name="OA" type="integer" max="360" units="deg"/>
+          <inkml:channel name="OE" type="integer" max="90" units="deg"/>
+        </inkml:traceFormat>
+        <inkml:channelProperties>
+          <inkml:channelProperty channel="X" name="resolution" value="1000" units="1/cm"/>
+          <inkml:channelProperty channel="Y" name="resolution" value="1000" units="1/cm"/>
+          <inkml:channelProperty channel="F" name="resolution" value="0" units="1/dev"/>
+          <inkml:channelProperty channel="OA" name="resolution" value="1000" units="1/deg"/>
+          <inkml:channelProperty channel="OE" name="resolution" value="1000" units="1/deg"/>
+        </inkml:channelProperties>
+      </inkml:inkSource>
+      <inkml:timestamp xml:id="ts0" timeString="2020-11-09T18:00:59.538"/>
+    </inkml:context>
+    <inkml:brush xml:id="br0">
+      <inkml:brushProperty name="width" value="0.05" units="cm"/>
+      <inkml:brushProperty name="height" value="0.05" units="cm"/>
+      <inkml:brushProperty name="color" value="#E71224"/>
+    </inkml:brush>
+  </inkml:definitions>
+  <inkml:trace contextRef="#ctx0" brushRef="#br0">165 9 9560 0 0,'-16'-6'1032'0'0,"8"5"-423"0"0,1 0 1 0 0,0 0 0 0 0,-1 1-1 0 0,1 0 1 0 0,-1 1 0 0 0,1 0-1 0 0,-15 3 1 0 0,-22 1 928 0 0,43-5-1127 0 0,-16 15 4050 0 0,16-15-4323 0 0,0 1 0 0 0,0 0-1 0 0,0 0 1 0 0,0 0 0 0 0,0 0 0 0 0,0-1-1 0 0,1 1 1 0 0,-1 0 0 0 0,0 1-1 0 0,1-1 1 0 0,-1 0 0 0 0,1 0-1 0 0,-1 0 1 0 0,1 0 0 0 0,-1 0-1 0 0,1 0 1 0 0,0 1 0 0 0,0-1 0 0 0,-1 0-1 0 0,1 0 1 0 0,0 0 0 0 0,0 1-1 0 0,0-1 1 0 0,0 0 0 0 0,1 0-1 0 0,-1 1 1 0 0,0-1 0 0 0,0 0 0 0 0,1 0-1 0 0,-1 0 1 0 0,1 0 0 0 0,-1 0-1 0 0,1 2 1 0 0,1-1 1 0 0,0 1-1 0 0,0-1 1 0 0,0 0 0 0 0,0 0 0 0 0,1 1-1 0 0,-1-2 1 0 0,0 1 0 0 0,1 0 0 0 0,0 0-1 0 0,-1-1 1 0 0,1 1 0 0 0,4 1-1 0 0,10 2 186 0 0,1-1 0 0 0,1 0-1 0 0,-1-1 1 0 0,0-2 0 0 0,36 1-1 0 0,-27-2-97 0 0,100-7 552 0 0,-66 2-522 0 0,110-12 188 0 0,-25 1-192 0 0,98-3 117 0 0,-18 11-233 0 0,-211 8-136 0 0,127 5 0 0 0,-116 0-447 0 0,-24-5 422 0 0,0 0 0 0 0,-1 1 0 0 0,1-1 0 0 0,-1 1 0 0 0,1 0 0 0 0,-1-1 1 0 0,1 1-1 0 0,-1 0 0 0 0,0 0 0 0 0,1 0 0 0 0,-1 0 0 0 0,0 0 0 0 0,2 3 760 0 0,-16-9-2804 0 0</inkml:trace>
+</inkml:ink>
+</file>
+
+<file path=ppt/ink/ink16.xml><?xml version="1.0" encoding="utf-8"?>
+<inkml:ink xmlns:inkml="http://www.w3.org/2003/InkML">
+  <inkml:definitions>
+    <inkml:context xml:id="ctx0">
+      <inkml:inkSource xml:id="inkSrc0">
+        <inkml:traceFormat>
+          <inkml:channel name="X" type="integer" min="-2.14748E9" max="2.14748E9" units="cm"/>
+          <inkml:channel name="Y" type="integer" min="-2.14748E9" max="2.14748E9" units="cm"/>
+          <inkml:channel name="F" type="integer" max="32767" units="dev"/>
+          <inkml:channel name="OA" type="integer" max="360" units="deg"/>
+          <inkml:channel name="OE" type="integer" max="90" units="deg"/>
+        </inkml:traceFormat>
+        <inkml:channelProperties>
+          <inkml:channelProperty channel="X" name="resolution" value="1000" units="1/cm"/>
+          <inkml:channelProperty channel="Y" name="resolution" value="1000" units="1/cm"/>
+          <inkml:channelProperty channel="F" name="resolution" value="0" units="1/dev"/>
+          <inkml:channelProperty channel="OA" name="resolution" value="1000" units="1/deg"/>
+          <inkml:channelProperty channel="OE" name="resolution" value="1000" units="1/deg"/>
+        </inkml:channelProperties>
+      </inkml:inkSource>
+      <inkml:timestamp xml:id="ts0" timeString="2020-11-09T18:01:09.893"/>
+    </inkml:context>
+    <inkml:brush xml:id="br0">
+      <inkml:brushProperty name="width" value="0.05" units="cm"/>
+      <inkml:brushProperty name="height" value="0.05" units="cm"/>
+      <inkml:brushProperty name="color" value="#E71224"/>
+    </inkml:brush>
+  </inkml:definitions>
+  <inkml:trace contextRef="#ctx0" brushRef="#br0">44 7 12840 0 0,'-43'2'10807'0'0,"134"-2"-7392"0"0,-66 3-2913 0 0,-19-2-412 0 0,0 0-1 0 0,0-1 1 0 0,0 0-1 0 0,0 0 1 0 0,0 0 0 0 0,12-2-1 0 0,4-1 58 0 0,40 0 1 0 0,6 0 45 0 0,-38 0-169 0 0,48 4 1 0 0,-27 0-10 0 0,46 4 49 0 0,-86-4-64 0 0,0 0 0 0 0,16 4 0 0 0,-16-3 0 0 0,-1-1 0 0 0,16 2 0 0 0,2-2 79 0 0,32 6 0 0 0,-26-2-26 0 0,67 12 88 0 0,-38-5-112 0 0,12 1 6 0 0,24 0 490 0 0,114 14 43 0 0,-83-12-557 0 0,53-5 106 0 0,-167-9-58 0 0,26-3 0 0 0,-3 0-6 0 0,236 2 102 0 0,-238-1-82 0 0,-20 0-24 0 0,22 1-1 0 0,-3 1-10 0 0,65-7-1 0 0,-1 1 27 0 0,-90 5-62 0 0,33 0 61 0 0,53-7 0 0 0,-11 1-52 0 0,31-6 137 0 0,74-11 109 0 0,-25 2-117 0 0,-88 13-96 0 0,-22 3-23 0 0,56 4 1 0 0,16-1 7 0 0,4 4-39 0 0,-44 1 4 0 0,69 4 86 0 0,-45-2-5 0 0,4 1 16 0 0,1 1 116 0 0,-83-7-169 0 0,39 5-1 0 0,-69-4-32 0 0,0 0 0 0 0,0 0 0 0 0,-1 0 0 0 0,1 0 0 0 0,4 3 0 0 0,-4-3-145 0 0,-1 0 0 0 0,0 0-1 0 0,0 0 1 0 0,0 0-1 0 0,1 0 1 0 0,-1 0 0 0 0,1-1-1 0 0,3 2 1 0 0</inkml:trace>
+</inkml:ink>
+</file>
+
+<file path=ppt/ink/ink17.xml><?xml version="1.0" encoding="utf-8"?>
+<inkml:ink xmlns:inkml="http://www.w3.org/2003/InkML">
+  <inkml:definitions>
+    <inkml:context xml:id="ctx0">
+      <inkml:inkSource xml:id="inkSrc0">
+        <inkml:traceFormat>
+          <inkml:channel name="X" type="integer" min="-2.14748E9" max="2.14748E9" units="cm"/>
+          <inkml:channel name="Y" type="integer" min="-2.14748E9" max="2.14748E9" units="cm"/>
+          <inkml:channel name="F" type="integer" max="32767" units="dev"/>
+          <inkml:channel name="OA" type="integer" max="360" units="deg"/>
+          <inkml:channel name="OE" type="integer" max="90" units="deg"/>
+        </inkml:traceFormat>
+        <inkml:channelProperties>
+          <inkml:channelProperty channel="X" name="resolution" value="1000" units="1/cm"/>
+          <inkml:channelProperty channel="Y" name="resolution" value="1000" units="1/cm"/>
+          <inkml:channelProperty channel="F" name="resolution" value="0" units="1/dev"/>
+          <inkml:channelProperty channel="OA" name="resolution" value="1000" units="1/deg"/>
+          <inkml:channelProperty channel="OE" name="resolution" value="1000" units="1/deg"/>
+        </inkml:channelProperties>
+      </inkml:inkSource>
+      <inkml:timestamp xml:id="ts0" timeString="2020-11-09T18:01:21.385"/>
+    </inkml:context>
+    <inkml:brush xml:id="br0">
+      <inkml:brushProperty name="width" value="0.05" units="cm"/>
+      <inkml:brushProperty name="height" value="0.05" units="cm"/>
+      <inkml:brushProperty name="color" value="#E71224"/>
+    </inkml:brush>
+  </inkml:definitions>
+  <inkml:trace contextRef="#ctx0" brushRef="#br0">5 297 21191 0 0,'-4'-11'1606'0'0,"4"9"-1565"0"0,0 1 0 0 0,0 0 0 0 0,0 0 0 0 0,0 0 0 0 0,0-1 0 0 0,1 1 0 0 0,-1 0 0 0 0,0 0 0 0 0,1 0 0 0 0,-1 0 0 0 0,1 0 0 0 0,-1-1 0 0 0,1 1 0 0 0,0 0 0 0 0,-1 0 0 0 0,1 0 0 0 0,0 1 0 0 0,1-3 0 0 0,16-13 345 0 0,-2 7 175 0 0,1 1-1 0 0,0 0 1 0 0,0 1 0 0 0,0 0 0 0 0,36-7-1 0 0,-10 6 305 0 0,59-3-1 0 0,-46 8-240 0 0,-30 3-656 0 0,-1-1 0 0 0,47-10 0 0 0,-71 11 48 0 0,0 0 1 0 0,0-1-1 0 0,0 1 0 0 0,0 0 1 0 0,0 0-1 0 0,0-1 0 0 0,0 1 1 0 0,0-1-1 0 0,0 1 0 0 0,0-1 1 0 0,0 1-1 0 0,0-1 0 0 0,0 1 1 0 0,-1-1-1 0 0,1 0 0 0 0,0 0 1 0 0,-1 1-1 0 0,1-1 0 0 0,0 0 1 0 0,-1 0-1 0 0,1 0 0 0 0,-1 0 1 0 0,1-1-1 0 0,-1 1 5 0 0,0 0 0 0 0,1 0 0 0 0,-1-1 1 0 0,-1 1-1 0 0,1 0 0 0 0,0 0 0 0 0,0-1 1 0 0,0 1-1 0 0,-1 0 0 0 0,1 0 0 0 0,-1 0 0 0 0,1-1 1 0 0,-1 1-1 0 0,1 0 0 0 0,-1 0 0 0 0,0-1 1 0 0,-4-4 62 0 0,0-1 0 0 0,0 1 1 0 0,-1 1-1 0 0,-10-10 1 0 0,2 4-10 0 0,-1 0-1 0 0,0 1 1 0 0,0 1 0 0 0,-1 0 0 0 0,0 1 0 0 0,0 0-1 0 0,-1 1 1 0 0,-21-5 0 0 0,37 12 42 0 0,4 1-53 0 0,12 4-37 0 0,21 4 10 0 0,28-5 109 0 0,-27-2 41 0 0,1 2 0 0 0,50 11 0 0 0,-86-14-179 0 0,-1-1 0 0 0,0 1-1 0 0,1-1 1 0 0,-1 1 0 0 0,0-1 0 0 0,1 1-1 0 0,-1 0 1 0 0,0-1 0 0 0,0 1 0 0 0,0 0 0 0 0,0 0-1 0 0,0 0 1 0 0,0 0 0 0 0,0 0 0 0 0,0 0-1 0 0,0 0 1 0 0,0 1 0 0 0,0-1 0 0 0,-1 0 0 0 0,1 0-1 0 0,-1 1 1 0 0,1-1 0 0 0,-1 0 0 0 0,1 1-1 0 0,-1-1 1 0 0,1 2 0 0 0,-1-1 4 0 0,0 1 1 0 0,0-1-1 0 0,0 1 1 0 0,0-1-1 0 0,0 1 1 0 0,-1-1-1 0 0,1 1 0 0 0,-1-1 1 0 0,0 1-1 0 0,1-1 1 0 0,-1 1-1 0 0,0-1 1 0 0,-3 4-1 0 0,-10 15-169 0 0,-1 0 0 0 0,-1-1 0 0 0,-18 18 1 0 0,-61 51-1009 0 0,59-57 810 0 0,23-21-424 0 0,-6 8-1444 0 0,6-6-4780 0 0,5 0-1892 0 0</inkml:trace>
+</inkml:ink>
+</file>
+
+<file path=ppt/ink/ink18.xml><?xml version="1.0" encoding="utf-8"?>
+<inkml:ink xmlns:inkml="http://www.w3.org/2003/InkML">
+  <inkml:definitions>
+    <inkml:context xml:id="ctx0">
+      <inkml:inkSource xml:id="inkSrc0">
+        <inkml:traceFormat>
+          <inkml:channel name="X" type="integer" min="-2.14748E9" max="2.14748E9" units="cm"/>
+          <inkml:channel name="Y" type="integer" min="-2.14748E9" max="2.14748E9" units="cm"/>
+          <inkml:channel name="F" type="integer" max="32767" units="dev"/>
+          <inkml:channel name="OA" type="integer" max="360" units="deg"/>
+          <inkml:channel name="OE" type="integer" max="90" units="deg"/>
+        </inkml:traceFormat>
+        <inkml:channelProperties>
+          <inkml:channelProperty channel="X" name="resolution" value="1000" units="1/cm"/>
+          <inkml:channelProperty channel="Y" name="resolution" value="1000" units="1/cm"/>
+          <inkml:channelProperty channel="F" name="resolution" value="0" units="1/dev"/>
+          <inkml:channelProperty channel="OA" name="resolution" value="1000" units="1/deg"/>
+          <inkml:channelProperty channel="OE" name="resolution" value="1000" units="1/deg"/>
+        </inkml:channelProperties>
+      </inkml:inkSource>
+      <inkml:timestamp xml:id="ts0" timeString="2020-11-09T18:01:21.939"/>
+    </inkml:context>
+    <inkml:brush xml:id="br0">
+      <inkml:brushProperty name="width" value="0.05" units="cm"/>
+      <inkml:brushProperty name="height" value="0.05" units="cm"/>
+      <inkml:brushProperty name="color" value="#E71224"/>
+    </inkml:brush>
+  </inkml:definitions>
+  <inkml:trace contextRef="#ctx0" brushRef="#br0">153 117 8752 0 0,'-9'-11'1333'0'0,"9"10"-870"0"0,0 0 1 0 0,1 0-1 0 0,-1-1 1 0 0,0 1-1 0 0,0 0 0 0 0,1 0 1 0 0,-1-1-1 0 0,1 1 0 0 0,-1 0 1 0 0,1 0-1 0 0,-1 0 1 0 0,1 0-1 0 0,0 0 0 0 0,0 0 1 0 0,-1 0-1 0 0,1 0 1 0 0,0 0-1 0 0,0 0 0 0 0,0 0 1 0 0,0 0-1 0 0,0 1 0 0 0,2-2 1 0 0,25-14 2219 0 0,-27 15-2629 0 0,-1 1 0 0 0,1 0 0 0 0,0-1 0 0 0,0 1 0 0 0,0 0 0 0 0,0 0 1 0 0,0-1-1 0 0,-1 1 0 0 0,1 0 0 0 0,0 0 0 0 0,0 0 0 0 0,0 0 0 0 0,0 0 0 0 0,0 1 0 0 0,0-1 0 0 0,0 0 0 0 0,-1 0 0 0 0,1 1 1 0 0,0-1-1 0 0,0 0 0 0 0,0 1 0 0 0,0-1 0 0 0,-1 1 0 0 0,1-1 0 0 0,0 1 0 0 0,-1-1 0 0 0,1 1 0 0 0,0-1 0 0 0,-1 1 0 0 0,1 0 1 0 0,0-1-1 0 0,-1 1 0 0 0,1 0 0 0 0,-1 0 0 0 0,0-1 0 0 0,1 1 0 0 0,-1 0 0 0 0,1 1 0 0 0,1 3-7 0 0,0 1 0 0 0,0 0-1 0 0,-1 0 1 0 0,2 8 0 0 0,-3-11-117 0 0,2 8 59 0 0,-2 0 1 0 0,1-1-1 0 0,-2 1 0 0 0,1 0 0 0 0,-5 20 0 0 0,0-5 2 0 0,-13 31-1 0 0,11-35 106 0 0,3-8 89 0 0,0-1 0 0 0,-1 0 0 0 0,0-1 1 0 0,-1 1-1 0 0,-1-1 0 0 0,-8 12 0 0 0,-1-3 71 0 0,13-15-217 0 0,-1-1 0 0 0,0 1 1 0 0,0-1-1 0 0,-1 0 0 0 0,0 0 0 0 0,0 0 0 0 0,0-1 0 0 0,-11 8 0 0 0,13-10-40 0 0,0-1 0 0 0,0 0 0 0 0,0 0 0 0 0,0 0 0 0 0,0 0 0 0 0,0 0 0 0 0,0-1 0 0 0,0 1 0 0 0,-6-1-1 0 0,8 0 5 0 0,-1 0 0 0 0,0-1 0 0 0,0 1 0 0 0,0-1 0 0 0,1 0 0 0 0,-1 0 0 0 0,0 1 0 0 0,1-1 0 0 0,-1 0 0 0 0,1 0 0 0 0,-1 0 0 0 0,1-1 0 0 0,-1 1 0 0 0,1 0 0 0 0,0 0 0 0 0,0-1 0 0 0,-2-2 0 0 0,0 0 68 0 0,1 1 1 0 0,0-1-1 0 0,1 0 1 0 0,-1 0 0 0 0,1 0-1 0 0,0 0 1 0 0,0 0-1 0 0,0 0 1 0 0,0 0-1 0 0,1-1 1 0 0,-1 1-1 0 0,1 0 1 0 0,1-6-1 0 0,0 1-49 0 0,0 0 0 0 0,0 0 0 0 0,1 0 0 0 0,0 0 0 0 0,4-11 0 0 0,4-1 74 0 0,25-40 0 0 0,-18 33-8 0 0,-7 14-17 0 0,1 0-1 0 0,0 1 1 0 0,0 0-1 0 0,24-20 1 0 0,-12 12 40 0 0,-3 2 305 0 0,2 1-1 0 0,0 1 0 0 0,1 1 1 0 0,41-22-1 0 0,-57 35-339 0 0,1 0 0 0 0,-1 0 0 0 0,15-4-1 0 0,-18 6-55 0 0,-1 1 1 0 0,1-1-1 0 0,0 1 0 0 0,-1 0 0 0 0,1 0 0 0 0,0 0 0 0 0,-1 0 0 0 0,1 1 0 0 0,0-1 0 0 0,5 3 0 0 0,-8-3-14 0 0,1 1-1 0 0,-1 0 0 0 0,0-1 1 0 0,0 1-1 0 0,0 0 0 0 0,0 0 1 0 0,0 0-1 0 0,0-1 0 0 0,0 1 1 0 0,0 0-1 0 0,0 0 0 0 0,-1 0 1 0 0,1 1-1 0 0,0-1 0 0 0,-1 0 1 0 0,1 0-1 0 0,-1 0 0 0 0,1 0 0 0 0,-1 1 1 0 0,1-1-1 0 0,-1 0 0 0 0,0 0 1 0 0,0 1-1 0 0,1-1 0 0 0,-1 0 1 0 0,0 1-1 0 0,0-1 0 0 0,-1 0 1 0 0,1 0-1 0 0,0 3 0 0 0,-1 0 4 0 0,0 1-1 0 0,0-1 1 0 0,0 1 0 0 0,-1-1-1 0 0,1 1 1 0 0,-1-1-1 0 0,-3 5 1 0 0,3-4-1 0 0,-1 0 0 0 0,0-1 1 0 0,-1 1-1 0 0,1 0 1 0 0,-1-1-1 0 0,0 0 0 0 0,0 0 1 0 0,0 0-1 0 0,0 0 0 0 0,-1-1 1 0 0,1 0-1 0 0,-1 1 1 0 0,-6 1-1 0 0,4-2-218 0 0,1-1 0 0 0,-1 0 1 0 0,0-1-1 0 0,0 0 0 0 0,0 0 0 0 0,0 0 0 0 0,0-1 0 0 0,0 0 1 0 0,0 0-1 0 0,0-1 0 0 0,0 0 0 0 0,0 0 0 0 0,0 0 1 0 0,1-1-1 0 0,-1 0 0 0 0,0-1 0 0 0,1 0 0 0 0,-8-4 0 0 0,6 1-1833 0 0,2-3-4681 0 0</inkml:trace>
+</inkml:ink>
+</file>
+
+<file path=ppt/ink/ink19.xml><?xml version="1.0" encoding="utf-8"?>
+<inkml:ink xmlns:inkml="http://www.w3.org/2003/InkML">
+  <inkml:definitions>
+    <inkml:context xml:id="ctx0">
+      <inkml:inkSource xml:id="inkSrc0">
+        <inkml:traceFormat>
+          <inkml:channel name="X" type="integer" min="-2.14748E9" max="2.14748E9" units="cm"/>
+          <inkml:channel name="Y" type="integer" min="-2.14748E9" max="2.14748E9" units="cm"/>
+          <inkml:channel name="F" type="integer" max="32767" units="dev"/>
+          <inkml:channel name="OA" type="integer" max="360" units="deg"/>
+          <inkml:channel name="OE" type="integer" max="90" units="deg"/>
+        </inkml:traceFormat>
+        <inkml:channelProperties>
+          <inkml:channelProperty channel="X" name="resolution" value="1000" units="1/cm"/>
+          <inkml:channelProperty channel="Y" name="resolution" value="1000" units="1/cm"/>
+          <inkml:channelProperty channel="F" name="resolution" value="0" units="1/dev"/>
+          <inkml:channelProperty channel="OA" name="resolution" value="1000" units="1/deg"/>
+          <inkml:channelProperty channel="OE" name="resolution" value="1000" units="1/deg"/>
+        </inkml:channelProperties>
+      </inkml:inkSource>
+      <inkml:timestamp xml:id="ts0" timeString="2020-11-09T18:01:22.282"/>
+    </inkml:context>
+    <inkml:brush xml:id="br0">
+      <inkml:brushProperty name="width" value="0.05" units="cm"/>
+      <inkml:brushProperty name="height" value="0.05" units="cm"/>
+      <inkml:brushProperty name="color" value="#E71224"/>
+    </inkml:brush>
+  </inkml:definitions>
+  <inkml:trace contextRef="#ctx0" brushRef="#br0">70 221 13360 0 0,'0'0'1026'0'0,"6"6"-410"0"0,-4-4-262 0 0,-1 1-1 0 0,1-1 0 0 0,-1 1 1 0 0,0-1-1 0 0,0 1 0 0 0,0 0 1 0 0,0-1-1 0 0,0 1 0 0 0,-1 0 1 0 0,1 0-1 0 0,-1 0 0 0 0,0-1 1 0 0,0 1-1 0 0,0 0 0 0 0,0 0 1 0 0,0 0-1 0 0,-1 3 0 0 0,-1 5 154 0 0,0-1-1 0 0,-1 1 1 0 0,-4 12 0 0 0,-33 82 1654 0 0,30-82-2137 0 0,7-16-192 0 0,0-1 1 0 0,1 1 0 0 0,0-1 0 0 0,-3 12 0 0 0,-2-3-1797 0 0,6-14 941 0 0</inkml:trace>
+  <inkml:trace contextRef="#ctx0" brushRef="#br0" timeOffset="0.99">156 1 14424 0 0,'0'0'1096'0'0,"-4"5"-688"0"0,8 2-328 0 0,-4 1-80 0 0,0 0 0 0 0</inkml:trace>
+</inkml:ink>
+</file>
+
+<file path=ppt/ink/ink2.xml><?xml version="1.0" encoding="utf-8"?>
+<inkml:ink xmlns:inkml="http://www.w3.org/2003/InkML">
+  <inkml:definitions>
+    <inkml:context xml:id="ctx0">
+      <inkml:inkSource xml:id="inkSrc0">
+        <inkml:traceFormat>
+          <inkml:channel name="X" type="integer" min="-2.14748E9" max="2.14748E9" units="cm"/>
+          <inkml:channel name="Y" type="integer" min="-2.14748E9" max="2.14748E9" units="cm"/>
+          <inkml:channel name="F" type="integer" max="32767" units="dev"/>
+          <inkml:channel name="OA" type="integer" max="360" units="deg"/>
+          <inkml:channel name="OE" type="integer" max="90" units="deg"/>
+        </inkml:traceFormat>
+        <inkml:channelProperties>
+          <inkml:channelProperty channel="X" name="resolution" value="1000" units="1/cm"/>
+          <inkml:channelProperty channel="Y" name="resolution" value="1000" units="1/cm"/>
+          <inkml:channelProperty channel="F" name="resolution" value="0" units="1/dev"/>
+          <inkml:channelProperty channel="OA" name="resolution" value="1000" units="1/deg"/>
+          <inkml:channelProperty channel="OE" name="resolution" value="1000" units="1/deg"/>
+        </inkml:channelProperties>
+      </inkml:inkSource>
+      <inkml:timestamp xml:id="ts0" timeString="2020-11-09T18:00:33.867"/>
+    </inkml:context>
+    <inkml:brush xml:id="br0">
+      <inkml:brushProperty name="width" value="0.05" units="cm"/>
+      <inkml:brushProperty name="height" value="0.05" units="cm"/>
+      <inkml:brushProperty name="color" value="#E71224"/>
+    </inkml:brush>
+  </inkml:definitions>
+  <inkml:trace contextRef="#ctx0" brushRef="#br0">0 0 10136 0 0,'0'0'3816'0'0,"18"7"938"0"0,1-5-3247 0 0,-1-2-1 0 0,24-1 1 0 0,25 1-128 0 0,3 5-505 0 0,-5-1-357 0 0,0 2 1 0 0,80 19-1 0 0,107 32 19 0 0,-174-44-479 0 0,103 4 1 0 0,-32-17 1635 0 0,31 2-1202 0 0,-108-2 281 0 0,-27-2-371 0 0,-37 2-282 0 0,0-1-1 0 0,0-1 1 0 0,-1 1 0 0 0,1-1-1 0 0,13-6 1 0 0,-20 8-55 0 0,13-4 64 0 0,-4 2 1803 0 0,-4 0-3831 0 0</inkml:trace>
+</inkml:ink>
+</file>
+
+<file path=ppt/ink/ink20.xml><?xml version="1.0" encoding="utf-8"?>
+<inkml:ink xmlns:inkml="http://www.w3.org/2003/InkML">
+  <inkml:definitions>
+    <inkml:context xml:id="ctx0">
+      <inkml:inkSource xml:id="inkSrc0">
+        <inkml:traceFormat>
+          <inkml:channel name="X" type="integer" min="-2.14748E9" max="2.14748E9" units="cm"/>
+          <inkml:channel name="Y" type="integer" min="-2.14748E9" max="2.14748E9" units="cm"/>
+          <inkml:channel name="F" type="integer" max="32767" units="dev"/>
+          <inkml:channel name="OA" type="integer" max="360" units="deg"/>
+          <inkml:channel name="OE" type="integer" max="90" units="deg"/>
+        </inkml:traceFormat>
+        <inkml:channelProperties>
+          <inkml:channelProperty channel="X" name="resolution" value="1000" units="1/cm"/>
+          <inkml:channelProperty channel="Y" name="resolution" value="1000" units="1/cm"/>
+          <inkml:channelProperty channel="F" name="resolution" value="0" units="1/dev"/>
+          <inkml:channelProperty channel="OA" name="resolution" value="1000" units="1/deg"/>
+          <inkml:channelProperty channel="OE" name="resolution" value="1000" units="1/deg"/>
+        </inkml:channelProperties>
+      </inkml:inkSource>
+      <inkml:timestamp xml:id="ts0" timeString="2020-11-09T18:01:22.636"/>
+    </inkml:context>
+    <inkml:brush xml:id="br0">
+      <inkml:brushProperty name="width" value="0.05" units="cm"/>
+      <inkml:brushProperty name="height" value="0.05" units="cm"/>
+      <inkml:brushProperty name="color" value="#E71224"/>
+    </inkml:brush>
+  </inkml:definitions>
+  <inkml:trace contextRef="#ctx0" brushRef="#br0">273 0 19351 0 0,'-12'4'504'0'0,"-1"-1"-1"0"0,1 0 0 0 0,-16 1 0 0 0,15-3-443 0 0,0 1 0 0 0,-20 6-1 0 0,19-3 405 0 0,1 1 0 0 0,-1 0 0 0 0,1 0-1 0 0,-14 11 1 0 0,20-13-169 0 0,1 1 0 0 0,0-1 0 0 0,0 2 0 0 0,1-1 0 0 0,0 1 0 0 0,0-1 0 0 0,0 2 0 0 0,0-1 0 0 0,-5 11 1 0 0,9-14-216 0 0,-1 0 0 0 0,1 0 0 0 0,0 0 0 0 0,1 0 0 0 0,-1 0 0 0 0,0 1 0 0 0,1-1 0 0 0,0 0 1 0 0,-1 0-1 0 0,1 0 0 0 0,1 1 0 0 0,-1-1 0 0 0,1 4 0 0 0,-1-5-60 0 0,1-1-1 0 0,-1 0 1 0 0,1 1-1 0 0,-1-1 1 0 0,1 1-1 0 0,-1-1 1 0 0,1 0-1 0 0,0 0 1 0 0,0 1-1 0 0,0-1 1 0 0,-1 0-1 0 0,1 0 1 0 0,0 0-1 0 0,1 0 0 0 0,-1 0 1 0 0,0 0-1 0 0,0 0 1 0 0,0-1-1 0 0,0 1 1 0 0,1 0-1 0 0,-1 0 1 0 0,0-1-1 0 0,1 1 1 0 0,-1-1-1 0 0,0 0 1 0 0,1 1-1 0 0,-1-1 1 0 0,1 0-1 0 0,-1 0 1 0 0,1 1-1 0 0,1-1 1 0 0,6-1 146 0 0,0-1 0 0 0,0 0 0 0 0,0 0 0 0 0,0 0 1 0 0,0-1-1 0 0,-1 0 0 0 0,1-1 0 0 0,-1 0 0 0 0,15-10 0 0 0,20-8 646 0 0,-42 21-772 0 0,0 0 0 0 0,0 1 0 0 0,0-1 0 0 0,1 1 1 0 0,-1-1-1 0 0,0 1 0 0 0,1 0 0 0 0,-1-1 0 0 0,0 1 0 0 0,1 0 0 0 0,-1 0 0 0 0,0 0 0 0 0,1 0 0 0 0,-1 0 0 0 0,0 0 1 0 0,1 0-1 0 0,-1 1 0 0 0,0-1 0 0 0,0 0 0 0 0,1 1 0 0 0,-1-1 0 0 0,2 2 0 0 0,-2-1-23 0 0,0 0-1 0 0,0 0 1 0 0,0 0-1 0 0,1 1 1 0 0,-2-1-1 0 0,1 1 1 0 0,0-1-1 0 0,0 1 1 0 0,0-1-1 0 0,-1 1 1 0 0,1-1 0 0 0,-1 1-1 0 0,1-1 1 0 0,-1 1-1 0 0,1 2 1 0 0,0 7-11 0 0,0 0 1 0 0,-1-1-1 0 0,-1 1 1 0 0,-1 14-1 0 0,1-20 52 0 0,-1 8-12 0 0,1-10-50 0 0,1 0 1 0 0,-1 0-1 0 0,1-1 1 0 0,0 1-1 0 0,0 0 1 0 0,0 0-1 0 0,0 0 1 0 0,0 0-1 0 0,2 5 1 0 0,0 4-139 0 0</inkml:trace>
+</inkml:ink>
+</file>
+
+<file path=ppt/ink/ink21.xml><?xml version="1.0" encoding="utf-8"?>
+<inkml:ink xmlns:inkml="http://www.w3.org/2003/InkML">
+  <inkml:definitions>
+    <inkml:context xml:id="ctx0">
+      <inkml:inkSource xml:id="inkSrc0">
+        <inkml:traceFormat>
+          <inkml:channel name="X" type="integer" min="-2.14748E9" max="2.14748E9" units="cm"/>
+          <inkml:channel name="Y" type="integer" min="-2.14748E9" max="2.14748E9" units="cm"/>
+          <inkml:channel name="F" type="integer" max="32767" units="dev"/>
+          <inkml:channel name="OA" type="integer" max="360" units="deg"/>
+          <inkml:channel name="OE" type="integer" max="90" units="deg"/>
+        </inkml:traceFormat>
+        <inkml:channelProperties>
+          <inkml:channelProperty channel="X" name="resolution" value="1000" units="1/cm"/>
+          <inkml:channelProperty channel="Y" name="resolution" value="1000" units="1/cm"/>
+          <inkml:channelProperty channel="F" name="resolution" value="0" units="1/dev"/>
+          <inkml:channelProperty channel="OA" name="resolution" value="1000" units="1/deg"/>
+          <inkml:channelProperty channel="OE" name="resolution" value="1000" units="1/deg"/>
+        </inkml:channelProperties>
+      </inkml:inkSource>
+      <inkml:timestamp xml:id="ts0" timeString="2020-11-09T18:01:22.969"/>
+    </inkml:context>
+    <inkml:brush xml:id="br0">
+      <inkml:brushProperty name="width" value="0.05" units="cm"/>
+      <inkml:brushProperty name="height" value="0.05" units="cm"/>
+      <inkml:brushProperty name="color" value="#E71224"/>
+    </inkml:brush>
+  </inkml:definitions>
+  <inkml:trace contextRef="#ctx0" brushRef="#br0">0 28 13360 0 0,'0'0'1209'0'0,"11"2"1373"0"0,9-1 4451 0 0,13-8-3746 0 0,-12 2-2128 0 0,9-1-808 0 0,-16 2 36 0 0,27-3 1 0 0,-37 6-354 0 0,0 1 0 0 0,0 0 1 0 0,0 0-1 0 0,0 0 0 0 0,0 1 0 0 0,0-1 1 0 0,0 1-1 0 0,0 0 0 0 0,0 0 1 0 0,0 1-1 0 0,4 1 0 0 0,-7-2-33 0 0,1-1 0 0 0,-1 1 0 0 0,0 0 0 0 0,0 0 0 0 0,0 0 0 0 0,1 0 0 0 0,-1 0 0 0 0,0 0 0 0 0,0 0 0 0 0,0 0 0 0 0,-1 0 0 0 0,1 1-1 0 0,0-1 1 0 0,0 0 0 0 0,-1 0 0 0 0,1 1 0 0 0,0-1 0 0 0,-1 0 0 0 0,0 1 0 0 0,1 2 0 0 0,0-1 3 0 0,-1 0 0 0 0,-1-1 0 0 0,1 1 0 0 0,0 0 0 0 0,-1 0 0 0 0,1-1 0 0 0,-1 1 0 0 0,0 0 0 0 0,1-1 0 0 0,-3 5 0 0 0,-1 0 5 0 0,0 0 0 0 0,-1 0 1 0 0,1 0-1 0 0,-1 0 0 0 0,0-1 0 0 0,-12 11 0 0 0,-15 9-9 0 0,-53 33 0 0 0,155-96 0 0 0,-30 14-2657 0 0,-2-2-4227 0 0,-27 17-2046 0 0</inkml:trace>
+</inkml:ink>
+</file>
+
+<file path=ppt/ink/ink22.xml><?xml version="1.0" encoding="utf-8"?>
+<inkml:ink xmlns:inkml="http://www.w3.org/2003/InkML">
+  <inkml:definitions>
+    <inkml:context xml:id="ctx0">
+      <inkml:inkSource xml:id="inkSrc0">
+        <inkml:traceFormat>
+          <inkml:channel name="X" type="integer" min="-2.14748E9" max="2.14748E9" units="cm"/>
+          <inkml:channel name="Y" type="integer" min="-2.14748E9" max="2.14748E9" units="cm"/>
+          <inkml:channel name="F" type="integer" max="32767" units="dev"/>
+          <inkml:channel name="OA" type="integer" max="360" units="deg"/>
+          <inkml:channel name="OE" type="integer" max="90" units="deg"/>
+        </inkml:traceFormat>
+        <inkml:channelProperties>
+          <inkml:channelProperty channel="X" name="resolution" value="1000" units="1/cm"/>
+          <inkml:channelProperty channel="Y" name="resolution" value="1000" units="1/cm"/>
+          <inkml:channelProperty channel="F" name="resolution" value="0" units="1/dev"/>
+          <inkml:channelProperty channel="OA" name="resolution" value="1000" units="1/deg"/>
+          <inkml:channelProperty channel="OE" name="resolution" value="1000" units="1/deg"/>
+        </inkml:channelProperties>
+      </inkml:inkSource>
+      <inkml:timestamp xml:id="ts0" timeString="2020-11-09T18:01:23.303"/>
+    </inkml:context>
+    <inkml:brush xml:id="br0">
+      <inkml:brushProperty name="width" value="0.05" units="cm"/>
+      <inkml:brushProperty name="height" value="0.05" units="cm"/>
+      <inkml:brushProperty name="color" value="#E71224"/>
+    </inkml:brush>
+  </inkml:definitions>
+  <inkml:trace contextRef="#ctx0" brushRef="#br0">0 81 23039 0 0,'0'0'528'0'0,"11"-2"1259"0"0,6-3-942 0 0,0-1-1 0 0,0 0 1 0 0,-1-1 0 0 0,16-10-1 0 0,21-9-30 0 0,-44 21-682 0 0,-7 4-113 0 0,-1 0 0 0 0,1 1 0 0 0,-1-1-1 0 0,0 0 1 0 0,1 1 0 0 0,-1-1 0 0 0,1 1-1 0 0,-1 0 1 0 0,1-1 0 0 0,0 1 0 0 0,-1 0-1 0 0,1 0 1 0 0,2 0 0 0 0,-17 16 34 0 0,-4-1-42 0 0,0 1-1 0 0,1 0 1 0 0,1 1 0 0 0,0 1-1 0 0,-17 30 1 0 0,29-41-11 0 0,3-7 0 0 0,-1 0 0 0 0,1 1 0 0 0,0-1 0 0 0,0 0 0 0 0,0 1 0 0 0,0-1 0 0 0,0 0 0 0 0,0 0 0 0 0,0 1 0 0 0,0-1 0 0 0,0 0 0 0 0,0 1 0 0 0,0-1 0 0 0,0 0 0 0 0,0 0 0 0 0,0 1 0 0 0,0-1 0 0 0,0 0 0 0 0,0 1 0 0 0,1-1 0 0 0,-1 0 0 0 0,0 0 0 0 0,0 1 0 0 0,0-1 0 0 0,0 0 0 0 0,1 0 0 0 0,-1 1 0 0 0,0-1 0 0 0,0 0 0 0 0,0 0 0 0 0,1 0 0 0 0,-1 1 0 0 0,0-1 0 0 0,0 0 0 0 0,1 0 0 0 0,-1 0 0 0 0,1 0 0 0 0,8 3 0 0 0,-8-3 0 0 0,3 0-10 0 0,-1 0-1 0 0,1 0 0 0 0,0 0 1 0 0,-1 0-1 0 0,1-1 1 0 0,0 1-1 0 0,-1-1 1 0 0,1 0-1 0 0,0-1 1 0 0,4-1-1 0 0,34-20-500 0 0,-34 19 225 0 0,91-53-5719 0 0,-79 45 3995 0 0</inkml:trace>
+</inkml:ink>
+</file>
+
+<file path=ppt/ink/ink23.xml><?xml version="1.0" encoding="utf-8"?>
+<inkml:ink xmlns:inkml="http://www.w3.org/2003/InkML">
+  <inkml:definitions>
+    <inkml:context xml:id="ctx0">
+      <inkml:inkSource xml:id="inkSrc0">
+        <inkml:traceFormat>
+          <inkml:channel name="X" type="integer" min="-2.14748E9" max="2.14748E9" units="cm"/>
+          <inkml:channel name="Y" type="integer" min="-2.14748E9" max="2.14748E9" units="cm"/>
+          <inkml:channel name="F" type="integer" max="32767" units="dev"/>
+          <inkml:channel name="OA" type="integer" max="360" units="deg"/>
+          <inkml:channel name="OE" type="integer" max="90" units="deg"/>
+        </inkml:traceFormat>
+        <inkml:channelProperties>
+          <inkml:channelProperty channel="X" name="resolution" value="1000" units="1/cm"/>
+          <inkml:channelProperty channel="Y" name="resolution" value="1000" units="1/cm"/>
+          <inkml:channelProperty channel="F" name="resolution" value="0" units="1/dev"/>
+          <inkml:channelProperty channel="OA" name="resolution" value="1000" units="1/deg"/>
+          <inkml:channelProperty channel="OE" name="resolution" value="1000" units="1/deg"/>
+        </inkml:channelProperties>
+      </inkml:inkSource>
+      <inkml:timestamp xml:id="ts0" timeString="2020-11-09T18:01:23.652"/>
+    </inkml:context>
+    <inkml:brush xml:id="br0">
+      <inkml:brushProperty name="width" value="0.05" units="cm"/>
+      <inkml:brushProperty name="height" value="0.05" units="cm"/>
+      <inkml:brushProperty name="color" value="#E71224"/>
+    </inkml:brush>
+  </inkml:definitions>
+  <inkml:trace contextRef="#ctx0" brushRef="#br0">174 3 8752 0 0,'-1'-1'10901'0'0,"-9"0"-8453"0"0,4 3-2145 0 0,1-1 1 0 0,-1 1-1 0 0,0 1 1 0 0,1-1-1 0 0,-1 1 1 0 0,1 0-1 0 0,0 0 1 0 0,0 1-1 0 0,0 0 1 0 0,1 0-1 0 0,-1 0 1 0 0,-6 8-1 0 0,-6 8 407 0 0,-22 34 0 0 0,37-51-577 0 0,-2 2-23 0 0,1 0-1 0 0,-1 0 0 0 0,1 0 1 0 0,1 0-1 0 0,-1 1 1 0 0,1-1-1 0 0,0 1 1 0 0,0-1-1 0 0,0 1 0 0 0,1 0 1 0 0,0 0-1 0 0,-1 8 1 0 0,2-12 234 0 0,8-2-154 0 0,-6 0-160 0 0,0 0 0 0 0,0 0 0 0 0,0 0 0 0 0,0 0 0 0 0,0 0 0 0 0,0-1 0 0 0,0 1 1 0 0,0-1-1 0 0,0 1 0 0 0,0-1 0 0 0,0 0 0 0 0,0 0 0 0 0,-1 1 0 0 0,4-3 0 0 0,6-6 97 0 0,1 1-1 0 0,-2-1 1 0 0,18-20 0 0 0,6-5 282 0 0,-31 32-328 0 0,0 0 0 0 0,-1 0 1 0 0,1 0-1 0 0,0 0 0 0 0,0 1 0 0 0,0-1 0 0 0,4-1 0 0 0,-6 3-65 0 0,0 0 0 0 0,-1 0 0 0 0,1-1 0 0 0,0 1 0 0 0,-1 0-1 0 0,1 0 1 0 0,0 0 0 0 0,0 0 0 0 0,-1 0 0 0 0,1 0-1 0 0,0 0 1 0 0,0 0 0 0 0,-1 0 0 0 0,1 0 0 0 0,0 0 0 0 0,-1 0-1 0 0,1 1 1 0 0,0-1 0 0 0,0 0 0 0 0,-1 1 0 0 0,1-1 0 0 0,-1 0-1 0 0,1 1 1 0 0,0-1 0 0 0,-1 0 0 0 0,1 1 0 0 0,-1-1-1 0 0,1 1 1 0 0,-1 0 0 0 0,1-1 0 0 0,-1 1 0 0 0,1-1 0 0 0,-1 1-1 0 0,0 0 1 0 0,1-1 0 0 0,-1 1 0 0 0,1 1 0 0 0,33 127 129 0 0,-32-122-368 0 0,0-1-1 0 0,0 1 1 0 0,7 10 0 0 0,-6-11-637 0 0,0 0 0 0 0,-1 0 0 0 0,0 0 0 0 0,4 13 0 0 0</inkml:trace>
+</inkml:ink>
+</file>
+
+<file path=ppt/ink/ink24.xml><?xml version="1.0" encoding="utf-8"?>
+<inkml:ink xmlns:inkml="http://www.w3.org/2003/InkML">
+  <inkml:definitions>
+    <inkml:context xml:id="ctx0">
+      <inkml:inkSource xml:id="inkSrc0">
+        <inkml:traceFormat>
+          <inkml:channel name="X" type="integer" min="-2.14748E9" max="2.14748E9" units="cm"/>
+          <inkml:channel name="Y" type="integer" min="-2.14748E9" max="2.14748E9" units="cm"/>
+          <inkml:channel name="F" type="integer" max="32767" units="dev"/>
+          <inkml:channel name="OA" type="integer" max="360" units="deg"/>
+          <inkml:channel name="OE" type="integer" max="90" units="deg"/>
+        </inkml:traceFormat>
+        <inkml:channelProperties>
+          <inkml:channelProperty channel="X" name="resolution" value="1000" units="1/cm"/>
+          <inkml:channelProperty channel="Y" name="resolution" value="1000" units="1/cm"/>
+          <inkml:channelProperty channel="F" name="resolution" value="0" units="1/dev"/>
+          <inkml:channelProperty channel="OA" name="resolution" value="1000" units="1/deg"/>
+          <inkml:channelProperty channel="OE" name="resolution" value="1000" units="1/deg"/>
+        </inkml:channelProperties>
+      </inkml:inkSource>
+      <inkml:timestamp xml:id="ts0" timeString="2020-11-09T18:01:29.202"/>
+    </inkml:context>
+    <inkml:brush xml:id="br0">
+      <inkml:brushProperty name="width" value="0.05" units="cm"/>
+      <inkml:brushProperty name="height" value="0.05" units="cm"/>
+      <inkml:brushProperty name="color" value="#E71224"/>
+    </inkml:brush>
+  </inkml:definitions>
+  <inkml:trace contextRef="#ctx0" brushRef="#br0">38 96 8144 0 0,'0'0'741'0'0,"-18"5"1122"0"0,18-5-1743 0 0,0 0 0 0 0,0 1 1 0 0,-1-1-1 0 0,1 0 0 0 0,0 1 1 0 0,-1-1-1 0 0,1 0 0 0 0,0 0 1 0 0,-1 1-1 0 0,1-1 0 0 0,0 0 1 0 0,-1 0-1 0 0,1 0 1 0 0,-1 1-1 0 0,1-1 0 0 0,0 0 1 0 0,-1 0-1 0 0,1 0 0 0 0,-1 0 1 0 0,1 0-1 0 0,0 0 0 0 0,-1 0 1 0 0,1 0-1 0 0,-1 0 0 0 0,1 0 1 0 0,-1 0-1 0 0,1 0 0 0 0,0 0 1 0 0,-1 0-1 0 0,1 0 0 0 0,-1-1 1 0 0,1 1-1 0 0,0 0 0 0 0,-1 0 1 0 0,1 0-1 0 0,0-1 0 0 0,-1 1 1 0 0,1 0-1 0 0,0 0 0 0 0,-1-1 1 0 0,1 1-1 0 0,0 0 1 0 0,0-1-1 0 0,-1 1 0 0 0,1-1 8 0 0,-1 0 0 0 0,1 0 0 0 0,-1 1 0 0 0,1-1-1 0 0,0 0 1 0 0,0 0 0 0 0,-1 1 0 0 0,1-1 0 0 0,0 0 0 0 0,0 0-1 0 0,0 1 1 0 0,0-1 0 0 0,0 0 0 0 0,0 0 0 0 0,0 0 0 0 0,0 0-1 0 0,0 1 1 0 0,0-1 0 0 0,1 0 0 0 0,-1 0 0 0 0,0 1 0 0 0,1-2-1 0 0,-1 1 169 0 0,2 0-15 0 0,-1 0-1 0 0,0 0 0 0 0,0 0 0 0 0,0 0 0 0 0,1 0 0 0 0,-1 0 0 0 0,0 0 1 0 0,3-1-1 0 0,2 1-4 0 0,0 1 0 0 0,0-1-1 0 0,0 1 1 0 0,0 0 0 0 0,0 0 0 0 0,0 1 0 0 0,9 1 0 0 0,-4 0-101 0 0,31 4 489 0 0,-26-3-529 0 0,0-1 1 0 0,1 0-1 0 0,28-1 1 0 0,42-10 569 0 0,-68 8-406 0 0,1-2 0 0 0,36-9 0 0 0,-46 10-237 0 0,1 0 0 0 0,-1 0 0 0 0,15 0 0 0 0,13-2 55 0 0,-15 1-53 0 0,26-1 0 0 0,-27 3-45 0 0,36-11-19 0 0,29 6 245 0 0,-72 5-217 0 0,17 0 67 0 0,-22 1-53 0 0,-1 0 1 0 0,1 0-1 0 0,-1-1 0 0 0,15-4 1 0 0,-13 3 3 0 0,0 0 1 0 0,15 0 0 0 0,58 9 213 0 0,-21-1-104 0 0,-48-5-142 0 0,12 1 40 0 0,1-2 0 0 0,40-4 0 0 0,-16-2 93 0 0,0 2-1 0 0,59 4 1 0 0,-81 0-59 0 0,44-6-1 0 0,15 0 45 0 0,252 13 201 0 0,111 1 294 0 0,-387-10-525 0 0,16-1-15 0 0,105 10-23 0 0,73 6 0 0 0,-73-7-1 0 0,379 8 333 0 0,80 21 561 0 0,-363-16-877 0 0,-148-18 64 0 0,-106-2-96 0 0,-1-2 0 0 0,50-11 0 0 0,-74 13-171 0 0,0 0 0 0 0,0 0 0 0 0,1-1 0 0 0,-1 1 0 0 0,-1-1 0 0 0,1 0 0 0 0,3-2 0 0 0,-5 4 85 0 0,0-1 0 0 0,-1 1 0 0 0,1 0 0 0 0,-1-1 0 0 0,0 1 0 0 0,1 0 0 0 0,-1-1 0 0 0,1 1 0 0 0,-1-1 0 0 0,1 1 0 0 0,-1-1 0 0 0,0 1 0 0 0,0-1 0 0 0,1 1 0 0 0,-1-1 0 0 0,0 0 0 0 0,0 1 0 0 0,1-1 0 0 0,-1 1 0 0 0,0-1 0 0 0,0 1 0 0 0,0-1 0 0 0,0 0 0 0 0,0 1 0 0 0,0-1 0 0 0,0 0 0 0 0,0 1 0 0 0,0-1 0 0 0,0 1 0 0 0,0-1 0 0 0,-1 0 0 0 0,1 1 0 0 0,0-1 0 0 0,0 1 0 0 0,0-1 0 0 0,-1 1 0 0 0,1-1 0 0 0,0 1 0 0 0,-1-1 0 0 0,1 1 0 0 0,-1-1 0 0 0,1 1 0 0 0,-1-1 0 0 0,-5-5-1402 0 0</inkml:trace>
+</inkml:ink>
+</file>
+
+<file path=ppt/ink/ink25.xml><?xml version="1.0" encoding="utf-8"?>
+<inkml:ink xmlns:inkml="http://www.w3.org/2003/InkML">
+  <inkml:definitions>
+    <inkml:context xml:id="ctx0">
+      <inkml:inkSource xml:id="inkSrc0">
+        <inkml:traceFormat>
+          <inkml:channel name="X" type="integer" min="-2.14748E9" max="2.14748E9" units="cm"/>
+          <inkml:channel name="Y" type="integer" min="-2.14748E9" max="2.14748E9" units="cm"/>
+          <inkml:channel name="F" type="integer" max="32767" units="dev"/>
+          <inkml:channel name="OA" type="integer" max="360" units="deg"/>
+          <inkml:channel name="OE" type="integer" max="90" units="deg"/>
+        </inkml:traceFormat>
+        <inkml:channelProperties>
+          <inkml:channelProperty channel="X" name="resolution" value="1000" units="1/cm"/>
+          <inkml:channelProperty channel="Y" name="resolution" value="1000" units="1/cm"/>
+          <inkml:channelProperty channel="F" name="resolution" value="0" units="1/dev"/>
+          <inkml:channelProperty channel="OA" name="resolution" value="1000" units="1/deg"/>
+          <inkml:channelProperty channel="OE" name="resolution" value="1000" units="1/deg"/>
+        </inkml:channelProperties>
+      </inkml:inkSource>
+      <inkml:timestamp xml:id="ts0" timeString="2020-11-09T18:02:26.827"/>
+    </inkml:context>
+    <inkml:brush xml:id="br0">
+      <inkml:brushProperty name="width" value="0.05" units="cm"/>
+      <inkml:brushProperty name="height" value="0.05" units="cm"/>
+      <inkml:brushProperty name="color" value="#E71224"/>
+    </inkml:brush>
+  </inkml:definitions>
+  <inkml:trace contextRef="#ctx0" brushRef="#br0">75 56 5528 0 0,'-1'1'93'0'0,"0"1"1"0"0,0-1-1 0 0,-1 0 0 0 0,1 0 1 0 0,0 0-1 0 0,0 0 0 0 0,0 0 1 0 0,-1 0-1 0 0,1-1 0 0 0,0 1 1 0 0,-1 0-1 0 0,1 0 0 0 0,-1-1 1 0 0,1 1-1 0 0,-1-1 0 0 0,1 0 1 0 0,-1 1-1 0 0,1-1 0 0 0,-3 0 1 0 0,-2 1 1815 0 0,1 0 15 0 0,4 0-1632 0 0,0-1-1 0 0,0 0 0 0 0,-1 1 0 0 0,1-1 0 0 0,0 0 0 0 0,-1 0 0 0 0,1 0 0 0 0,0 0 0 0 0,0 0 1 0 0,-1 0-1 0 0,1 0 0 0 0,0 0 0 0 0,0 0 0 0 0,-1-1 0 0 0,1 1 0 0 0,0 0 0 0 0,0-1 0 0 0,-2 0 1024 0 0,3 0-1187 0 0,-1 1 0 0 0,1 0 0 0 0,-1-1 0 0 0,1 1 0 0 0,0 0-1 0 0,-1-1 1 0 0,1 1 0 0 0,0-1 0 0 0,-1 1 0 0 0,1-1-1 0 0,0 1 1 0 0,0 0 0 0 0,-1-1 0 0 0,1 1 0 0 0,0-1 0 0 0,0 1-1 0 0,0-1 1 0 0,0 1 0 0 0,-4-10 8115 0 0,5 10-8163 0 0,3 2-63 0 0,-2-2-10 0 0,0 1 1 0 0,0-1-1 0 0,0 0 1 0 0,1 0-1 0 0,-1 0 1 0 0,0 0-1 0 0,0 0 0 0 0,0 0 1 0 0,0 0-1 0 0,3-1 1 0 0,19-3 51 0 0,24-1 216 0 0,-10 0 396 0 0,100-2-671 0 0,-41 3 101 0 0,-92 4-85 0 0,25 4 48 0 0,44 8 104 0 0,15-7 251 0 0,-58-1-306 0 0,-26-3-12 0 0,0 0 1 0 0,1 0-1 0 0,0-1 0 0 0,-1 0 1 0 0,8 0-1 0 0,12 0 331 0 0,-21 1-512 0 0,0-1-1 0 0,0 0 1 0 0,0 1 0 0 0,0-2-1 0 0,7 0 1 0 0,20-4 380 0 0,31-2 1 0 0,-6 11-301 0 0,12-8 0 0 0,-46 3 0 0 0,-9 1 0 0 0,22-4 0 0 0,40-8 0 0 0,81-1 0 0 0,165 13 0 0 0,-136 7 64 0 0,-37 4-81 0 0,10 1 243 0 0,-15-5 96 0 0,-113-6-286 0 0,222 1 162 0 0,30-6 15 0 0,-173 5-167 0 0,-81 0-46 0 0,27 5 0 0 0,-6 0 0 0 0,-16-2 0 0 0,-19-1 0 0 0,-1-2 0 0 0,18 1 0 0 0,-31-2-11 0 0,1 0-1 0 0,0 0 1 0 0,0 0 0 0 0,0 0-1 0 0,0-1 1 0 0,0 1 0 0 0,0 0-1 0 0,-1 0 1 0 0,1-1 0 0 0,0 1-1 0 0,0-1 1 0 0,0 1 0 0 0,-1-1-1 0 0,1 1 1 0 0,0-1 0 0 0,0 1-1 0 0,-1-1 1 0 0,1 1 0 0 0,-1-1-1 0 0,1 0 1 0 0,0 1 0 0 0,-1-1-1 0 0,1 0 1 0 0,-1 0 0 0 0,0 0-1 0 0,1 1 1 0 0,-1-1 0 0 0,0 0-1 0 0,1 0 1 0 0,-1 0 0 0 0,0 0-1 0 0,0 1 1 0 0,0-1 0 0 0,0 0-1 0 0,0 0 1 0 0,0 0 0 0 0,0 0-1 0 0,0 0 1 0 0,0-1 0 0 0,-1-4-169 0 0,1 1 1 0 0,-1 0-1 0 0,0 0 0 0 0,-1 0 1 0 0,-2-8-1 0 0,-2 1-1153 0 0</inkml:trace>
+</inkml:ink>
+</file>
+
+<file path=ppt/ink/ink26.xml><?xml version="1.0" encoding="utf-8"?>
+<inkml:ink xmlns:inkml="http://www.w3.org/2003/InkML">
+  <inkml:definitions>
+    <inkml:context xml:id="ctx0">
+      <inkml:inkSource xml:id="inkSrc0">
+        <inkml:traceFormat>
+          <inkml:channel name="X" type="integer" min="-2.14748E9" max="2.14748E9" units="cm"/>
+          <inkml:channel name="Y" type="integer" min="-2.14748E9" max="2.14748E9" units="cm"/>
+          <inkml:channel name="F" type="integer" max="32767" units="dev"/>
+          <inkml:channel name="OA" type="integer" max="360" units="deg"/>
+          <inkml:channel name="OE" type="integer" max="90" units="deg"/>
+        </inkml:traceFormat>
+        <inkml:channelProperties>
+          <inkml:channelProperty channel="X" name="resolution" value="1000" units="1/cm"/>
+          <inkml:channelProperty channel="Y" name="resolution" value="1000" units="1/cm"/>
+          <inkml:channelProperty channel="F" name="resolution" value="0" units="1/dev"/>
+          <inkml:channelProperty channel="OA" name="resolution" value="1000" units="1/deg"/>
+          <inkml:channelProperty channel="OE" name="resolution" value="1000" units="1/deg"/>
+        </inkml:channelProperties>
+      </inkml:inkSource>
+      <inkml:timestamp xml:id="ts0" timeString="2020-11-09T18:02:32.240"/>
+    </inkml:context>
+    <inkml:brush xml:id="br0">
+      <inkml:brushProperty name="width" value="0.05" units="cm"/>
+      <inkml:brushProperty name="height" value="0.05" units="cm"/>
+      <inkml:brushProperty name="color" value="#E71224"/>
+    </inkml:brush>
+  </inkml:definitions>
+  <inkml:trace contextRef="#ctx0" brushRef="#br0">93 1 14512 0 0,'0'0'5071'0'0,"-6"13"-1487"0"0,-19 80-1288 0 0,-17 192-160 0 0,31-141-2118 0 0,8-91-20 0 0,-2 54-1859 0 0,5-103 1219 0 0,-1 2-1181 0 0</inkml:trace>
+</inkml:ink>
+</file>
+
+<file path=ppt/ink/ink27.xml><?xml version="1.0" encoding="utf-8"?>
+<inkml:ink xmlns:inkml="http://www.w3.org/2003/InkML">
+  <inkml:definitions>
+    <inkml:context xml:id="ctx0">
+      <inkml:inkSource xml:id="inkSrc0">
+        <inkml:traceFormat>
+          <inkml:channel name="X" type="integer" min="-2.14748E9" max="2.14748E9" units="cm"/>
+          <inkml:channel name="Y" type="integer" min="-2.14748E9" max="2.14748E9" units="cm"/>
+          <inkml:channel name="F" type="integer" max="32767" units="dev"/>
+          <inkml:channel name="OA" type="integer" max="360" units="deg"/>
+          <inkml:channel name="OE" type="integer" max="90" units="deg"/>
+        </inkml:traceFormat>
+        <inkml:channelProperties>
+          <inkml:channelProperty channel="X" name="resolution" value="1000" units="1/cm"/>
+          <inkml:channelProperty channel="Y" name="resolution" value="1000" units="1/cm"/>
+          <inkml:channelProperty channel="F" name="resolution" value="0" units="1/dev"/>
+          <inkml:channelProperty channel="OA" name="resolution" value="1000" units="1/deg"/>
+          <inkml:channelProperty channel="OE" name="resolution" value="1000" units="1/deg"/>
+        </inkml:channelProperties>
+      </inkml:inkSource>
+      <inkml:timestamp xml:id="ts0" timeString="2020-11-09T18:02:32.604"/>
+    </inkml:context>
+    <inkml:brush xml:id="br0">
+      <inkml:brushProperty name="width" value="0.05" units="cm"/>
+      <inkml:brushProperty name="height" value="0.05" units="cm"/>
+      <inkml:brushProperty name="color" value="#E71224"/>
+    </inkml:brush>
+  </inkml:definitions>
+  <inkml:trace contextRef="#ctx0" brushRef="#br0">8 170 11520 0 0,'-1'0'153'0'0,"0"-1"0"0"0,1 0 1 0 0,-1 0-1 0 0,1 0 0 0 0,-1 1 0 0 0,1-1 1 0 0,-1 0-1 0 0,1 0 0 0 0,-1 0 1 0 0,1 0-1 0 0,0 0 0 0 0,0 0 0 0 0,-1 0 1 0 0,1 0-1 0 0,0 0 0 0 0,0 0 1 0 0,0 0-1 0 0,0 0 0 0 0,0 0 0 0 0,0 0 1 0 0,0 0-1 0 0,1 0 0 0 0,-1 0 1 0 0,0 0-1 0 0,0 0 0 0 0,1 0 0 0 0,-1 0 1 0 0,1 0-1 0 0,-1 0 0 0 0,1 0 1 0 0,0 0-1 0 0,33-39 6534 0 0,4 3-4186 0 0,-28 29-2268 0 0,0 0 1 0 0,1 0-1 0 0,0 1 0 0 0,0 0 0 0 0,1 1 1 0 0,13-5-1 0 0,-21 10-219 0 0,0-1 0 0 0,0 1 0 0 0,-1 0 0 0 0,1 0 0 0 0,0 1 0 0 0,0-1 0 0 0,0 1 0 0 0,0 0 0 0 0,0 0 0 0 0,0 0 0 0 0,0 0 0 0 0,0 1 0 0 0,0 0 0 0 0,0 0 0 0 0,5 1 0 0 0,-5 0 21 0 0,1 1-1 0 0,-1-1 0 0 0,0 1 1 0 0,0 0-1 0 0,0 0 0 0 0,0 0 0 0 0,-1 0 1 0 0,1 0-1 0 0,-1 1 0 0 0,6 8 0 0 0,1 3 52 0 0,-2 2-1 0 0,1-1 0 0 0,-2 1 1 0 0,0 0-1 0 0,6 25 0 0 0,12 60-284 0 0,-20-92-1782 0 0</inkml:trace>
+</inkml:ink>
+</file>
+
+<file path=ppt/ink/ink3.xml><?xml version="1.0" encoding="utf-8"?>
+<inkml:ink xmlns:inkml="http://www.w3.org/2003/InkML">
+  <inkml:definitions>
+    <inkml:context xml:id="ctx0">
+      <inkml:inkSource xml:id="inkSrc0">
+        <inkml:traceFormat>
+          <inkml:channel name="X" type="integer" min="-2.14748E9" max="2.14748E9" units="cm"/>
+          <inkml:channel name="Y" type="integer" min="-2.14748E9" max="2.14748E9" units="cm"/>
+          <inkml:channel name="F" type="integer" max="32767" units="dev"/>
+          <inkml:channel name="OA" type="integer" max="360" units="deg"/>
+          <inkml:channel name="OE" type="integer" max="90" units="deg"/>
+        </inkml:traceFormat>
+        <inkml:channelProperties>
+          <inkml:channelProperty channel="X" name="resolution" value="1000" units="1/cm"/>
+          <inkml:channelProperty channel="Y" name="resolution" value="1000" units="1/cm"/>
+          <inkml:channelProperty channel="F" name="resolution" value="0" units="1/dev"/>
+          <inkml:channelProperty channel="OA" name="resolution" value="1000" units="1/deg"/>
+          <inkml:channelProperty channel="OE" name="resolution" value="1000" units="1/deg"/>
+        </inkml:channelProperties>
+      </inkml:inkSource>
+      <inkml:timestamp xml:id="ts0" timeString="2020-11-09T18:00:37.424"/>
+    </inkml:context>
+    <inkml:brush xml:id="br0">
+      <inkml:brushProperty name="width" value="0.05" units="cm"/>
+      <inkml:brushProperty name="height" value="0.05" units="cm"/>
+      <inkml:brushProperty name="color" value="#E71224"/>
+    </inkml:brush>
+  </inkml:definitions>
+  <inkml:trace contextRef="#ctx0" brushRef="#br0">1 118 4144 0 0,'2'-4'12898'0'0,"1"3"-13150"0"0,71-5 3352 0 0,-4 1-1943 0 0,3-6-283 0 0,192-21 1428 0 0,-56 30-1617 0 0,-136 2-290 0 0,219-10-79 0 0,-125 5 1075 0 0,-72 1-1088 0 0,100 9-1 0 0,-68 5-35 0 0,137-5 863 0 0,-190-6-900 0 0,35-3 199 0 0,18-9-365 0 0,-25 0 1304 0 0,-90 12-1221 0 0,1-1 1 0 0,-1 0-1 0 0,23-7 0 0 0,-35 9-248 0 0,3 0-216 0 0,0-1 231 0 0,5-10-63 0 0,-7 10-219 0 0</inkml:trace>
+</inkml:ink>
+</file>
+
+<file path=ppt/ink/ink4.xml><?xml version="1.0" encoding="utf-8"?>
+<inkml:ink xmlns:inkml="http://www.w3.org/2003/InkML">
+  <inkml:definitions>
+    <inkml:context xml:id="ctx0">
+      <inkml:inkSource xml:id="inkSrc0">
+        <inkml:traceFormat>
+          <inkml:channel name="X" type="integer" min="-2.14748E9" max="2.14748E9" units="cm"/>
+          <inkml:channel name="Y" type="integer" min="-2.14748E9" max="2.14748E9" units="cm"/>
+          <inkml:channel name="F" type="integer" max="32767" units="dev"/>
+          <inkml:channel name="OA" type="integer" max="360" units="deg"/>
+          <inkml:channel name="OE" type="integer" max="90" units="deg"/>
+        </inkml:traceFormat>
+        <inkml:channelProperties>
+          <inkml:channelProperty channel="X" name="resolution" value="1000" units="1/cm"/>
+          <inkml:channelProperty channel="Y" name="resolution" value="1000" units="1/cm"/>
+          <inkml:channelProperty channel="F" name="resolution" value="0" units="1/dev"/>
+          <inkml:channelProperty channel="OA" name="resolution" value="1000" units="1/deg"/>
+          <inkml:channelProperty channel="OE" name="resolution" value="1000" units="1/deg"/>
+        </inkml:channelProperties>
+      </inkml:inkSource>
+      <inkml:timestamp xml:id="ts0" timeString="2020-11-09T18:00:39.422"/>
+    </inkml:context>
+    <inkml:brush xml:id="br0">
+      <inkml:brushProperty name="width" value="0.05" units="cm"/>
+      <inkml:brushProperty name="height" value="0.05" units="cm"/>
+      <inkml:brushProperty name="color" value="#E71224"/>
+    </inkml:brush>
+  </inkml:definitions>
+  <inkml:trace contextRef="#ctx0" brushRef="#br0">42 71 10136 0 0,'0'0'769'0'0,"-1"0"-530"0"0,-12 3 8879 0 0,2 9-7297 0 0,6-6-489 0 0,-1 10 1587 0 0,5-15-2864 0 0,1-1 0 0 0,0 0-1 0 0,-1 0 1 0 0,1 0 0 0 0,0 0 0 0 0,-1 0 0 0 0,1 1 0 0 0,0-1-1 0 0,0 0 1 0 0,-1 0 0 0 0,1 1 0 0 0,0-1 0 0 0,0 0 0 0 0,-1 0 0 0 0,1 1-1 0 0,0-1 1 0 0,0 0 0 0 0,0 1 0 0 0,-1-1 0 0 0,1 0 0 0 0,0 1-1 0 0,1 1-20 0 0,0-1 0 0 0,0 1-1 0 0,0-1 1 0 0,0 0-1 0 0,0 1 1 0 0,1-1-1 0 0,-1 0 1 0 0,0 0-1 0 0,1 0 1 0 0,-1 1-1 0 0,1-2 1 0 0,-1 1-1 0 0,1 0 1 0 0,0 0-1 0 0,-1 0 1 0 0,1-1-1 0 0,0 1 1 0 0,-1-1-1 0 0,1 1 1 0 0,0-1-1 0 0,3 0 1 0 0,7 2 151 0 0,-1-1 1 0 0,15-1 0 0 0,-15 0-70 0 0,71-1 439 0 0,28-8 154 0 0,-43 6-28 0 0,85-15 1 0 0,-45 4-645 0 0,-48 8-3 0 0,100-15 132 0 0,-114 14-111 0 0,63-3-1 0 0,-47 6-27 0 0,220-3-165 0 0,-236 7 132 0 0,-10 1 354 0 0,35 7 0 0 0,-14-1-248 0 0,-53-7-91 0 0,0 1 0 0 0,0 0-1 0 0,0 0 1 0 0,0 0 0 0 0,0 1 0 0 0,5 2 0 0 0,11 5-11 0 0,-12-7 2 0 0,1 0 0 0 0,-1-1 0 0 0,1 0 0 0 0,8 1 0 0 0,-12-2 0 0 0,-1 0 0 0 0,1-1 0 0 0,-1 1 0 0 0,1-1 0 0 0,-1 0 0 0 0,0 0 0 0 0,1 0 0 0 0,-1 0 0 0 0,0-1 0 0 0,0 1 0 0 0,4-3 0 0 0,53-25 104 0 0,-34 20-104 0 0,-23 8 0 0 0,1 0 0 0 0,-1 1 0 0 0,0-1 0 0 0,0-1 0 0 0,0 1 0 0 0,0 0 0 0 0,0-1 0 0 0,0 1 0 0 0,0-1 0 0 0,4-3 0 0 0,-1 1 0 0 0,-5 4 0 0 0,-1 0 0 0 0,1-1 0 0 0,-1 1 0 0 0,0 0 0 0 0,1 0 0 0 0,-1 0 0 0 0,1 0 0 0 0,-1-1 0 0 0,0 1 0 0 0,1 0 0 0 0,-1 0 0 0 0,0-1 0 0 0,1 1 0 0 0,-1 0 0 0 0,0-1 0 0 0,0 1 0 0 0,1 0 0 0 0,-1-1 0 0 0,0 1 0 0 0,0-1 0 0 0,1 1 0 0 0,-1 0 0 0 0,0-1 0 0 0,0 1 0 0 0,0-1 0 0 0,0 0 0 0 0,-1 1-276 0 0,0 0-1 0 0,0 0 1 0 0,0 0-1 0 0,0 0 1 0 0,0 0-1 0 0,0 0 1 0 0,0 1 0 0 0,0-1-1 0 0,0 0 1 0 0,0 0-1 0 0,0 1 1 0 0,0-1-1 0 0,0 0 1 0 0,0 1-1 0 0,0-1 1 0 0,0 1 0 0 0,-1 1-1 0 0</inkml:trace>
+</inkml:ink>
+</file>
+
+<file path=ppt/ink/ink5.xml><?xml version="1.0" encoding="utf-8"?>
+<inkml:ink xmlns:inkml="http://www.w3.org/2003/InkML">
+  <inkml:definitions>
+    <inkml:context xml:id="ctx0">
+      <inkml:inkSource xml:id="inkSrc0">
+        <inkml:traceFormat>
+          <inkml:channel name="X" type="integer" min="-2.14748E9" max="2.14748E9" units="cm"/>
+          <inkml:channel name="Y" type="integer" min="-2.14748E9" max="2.14748E9" units="cm"/>
+          <inkml:channel name="F" type="integer" max="32767" units="dev"/>
+          <inkml:channel name="OA" type="integer" max="360" units="deg"/>
+          <inkml:channel name="OE" type="integer" max="90" units="deg"/>
+        </inkml:traceFormat>
+        <inkml:channelProperties>
+          <inkml:channelProperty channel="X" name="resolution" value="1000" units="1/cm"/>
+          <inkml:channelProperty channel="Y" name="resolution" value="1000" units="1/cm"/>
+          <inkml:channelProperty channel="F" name="resolution" value="0" units="1/dev"/>
+          <inkml:channelProperty channel="OA" name="resolution" value="1000" units="1/deg"/>
+          <inkml:channelProperty channel="OE" name="resolution" value="1000" units="1/deg"/>
+        </inkml:channelProperties>
+      </inkml:inkSource>
+      <inkml:timestamp xml:id="ts0" timeString="2020-11-09T18:00:40.203"/>
+    </inkml:context>
+    <inkml:brush xml:id="br0">
+      <inkml:brushProperty name="width" value="0.05" units="cm"/>
+      <inkml:brushProperty name="height" value="0.05" units="cm"/>
+      <inkml:brushProperty name="color" value="#E71224"/>
+    </inkml:brush>
+  </inkml:definitions>
+  <inkml:trace contextRef="#ctx0" brushRef="#br0">1 186 2304 0 0,'0'0'17509'0'0,"14"-1"-15663"0"0,104-15 224 0 0,88-17-296 0 0,-29 5-1132 0 0,-165 25-294 0 0,0 1 1 0 0,14 0 0 0 0,-25 2 6 0 0,-13-11-514 0 0,1 5 202 0 0,0 1-1 0 0,0-1 0 0 0,-1 2 1 0 0,0 0-1 0 0,0 0 1 0 0,0 1-1 0 0,0 1 0 0 0,-17-2 1 0 0,-32-8 400 0 0,46 8-340 0 0,14 4 101 0 0,9-1-140 0 0,189-31 932 0 0,-155 30-952 0 0,-42 2-44 0 0,1-1 0 0 0,-1 1 0 0 0,0 0 0 0 0,1 0 0 0 0,-1 0 0 0 0,0 0 0 0 0,0 0 0 0 0,1 0 0 0 0,-1 0 0 0 0,0 0 0 0 0,1 0 0 0 0,-1 0 0 0 0,0 1 0 0 0,1-1 0 0 0,-1 0 0 0 0,0 0 0 0 0,0 0 0 0 0,1 0 0 0 0,-1 0 0 0 0,0 1 0 0 0,0-1 0 0 0,1 0 0 0 0,-1 0 0 0 0,0 0 0 0 0,0 1 0 0 0,1-1 0 0 0,-1 0 0 0 0,0 0 0 0 0,0 1 0 0 0,0-1 0 0 0,0 0 0 0 0,1 0 0 0 0,-1 1 0 0 0,0-1 0 0 0,0 0 0 0 0,0 0 0 0 0,0 1 0 0 0,0-1 0 0 0,0 0 0 0 0,0 1 0 0 0,0-1 0 0 0,0 0 0 0 0,0 1 0 0 0,0-1 0 0 0,-4 10 0 0 0,4-9 0 0 0,-5 6 8 0 0,0 0 0 0 0,0 0 0 0 0,-1-1 1 0 0,0 1-1 0 0,0-1 0 0 0,-7 5 0 0 0,-2 3 26 0 0,-152 133 31 0 0,79-80-2208 0 0,68-51 586 0 0</inkml:trace>
+</inkml:ink>
+</file>
+
+<file path=ppt/ink/ink6.xml><?xml version="1.0" encoding="utf-8"?>
+<inkml:ink xmlns:inkml="http://www.w3.org/2003/InkML">
+  <inkml:definitions>
+    <inkml:context xml:id="ctx0">
+      <inkml:inkSource xml:id="inkSrc0">
+        <inkml:traceFormat>
+          <inkml:channel name="X" type="integer" min="-2.14748E9" max="2.14748E9" units="cm"/>
+          <inkml:channel name="Y" type="integer" min="-2.14748E9" max="2.14748E9" units="cm"/>
+          <inkml:channel name="F" type="integer" max="32767" units="dev"/>
+          <inkml:channel name="OA" type="integer" max="360" units="deg"/>
+          <inkml:channel name="OE" type="integer" max="90" units="deg"/>
+        </inkml:traceFormat>
+        <inkml:channelProperties>
+          <inkml:channelProperty channel="X" name="resolution" value="1000" units="1/cm"/>
+          <inkml:channelProperty channel="Y" name="resolution" value="1000" units="1/cm"/>
+          <inkml:channelProperty channel="F" name="resolution" value="0" units="1/dev"/>
+          <inkml:channelProperty channel="OA" name="resolution" value="1000" units="1/deg"/>
+          <inkml:channelProperty channel="OE" name="resolution" value="1000" units="1/deg"/>
+        </inkml:channelProperties>
+      </inkml:inkSource>
+      <inkml:timestamp xml:id="ts0" timeString="2020-11-09T18:00:40.857"/>
+    </inkml:context>
+    <inkml:brush xml:id="br0">
+      <inkml:brushProperty name="width" value="0.05" units="cm"/>
+      <inkml:brushProperty name="height" value="0.05" units="cm"/>
+      <inkml:brushProperty name="color" value="#E71224"/>
+    </inkml:brush>
+  </inkml:definitions>
+  <inkml:trace contextRef="#ctx0" brushRef="#br0">0 205 11976 0 0,'0'0'7855'0'0,"17"-11"-5807"0"0,-8 4-1412 0 0,0 0 0 0 0,-1-1-1 0 0,0-1 1 0 0,0 1 0 0 0,7-12-1 0 0,-7 10-761 0 0,-5 6 136 0 0,12-13 670 0 0,-2-1-1 0 0,21-36 0 0 0,-31 48-679 0 0,0 1 0 0 0,0 0 0 0 0,7-9 0 0 0,-10 14 0 0 0,0 0 0 0 0,1 0 0 0 0,-1-1 0 0 0,0 1 0 0 0,0 0 0 0 0,1 0 0 0 0,-1 0 0 0 0,0 0 0 0 0,0 0 0 0 0,1 0 0 0 0,-1 0 0 0 0,0 0 0 0 0,0 0 0 0 0,1 0 0 0 0,-1 0 0 0 0,0 0 0 0 0,0 0 0 0 0,1 0 0 0 0,-1 0 0 0 0,0 0 0 0 0,0 0 0 0 0,1 0 0 0 0,-1 0 0 0 0,0 0 0 0 0,0 0 0 0 0,0 1 0 0 0,1-1 0 0 0,-1 0 0 0 0,0 0 0 0 0,0 0 0 0 0,0 0 0 0 0,1 0 0 0 0,-1 1 0 0 0,0-1 0 0 0,0 0 0 0 0,0 0 0 0 0,0 0 0 0 0,1 1 0 0 0,-1-1 0 0 0,0 0 0 0 0,0 0 0 0 0,0 1 0 0 0,0-1 0 0 0,0 0 0 0 0,0 0 0 0 0,0 0 0 0 0,0 1 0 0 0,5 11 0 0 0,-4 5 0 0 0,-1 1 0 0 0,-3 23 0 0 0,1-27 0 0 0,0 28 0 0 0,2-38 0 0 0,0-1 0 0 0,1 0 0 0 0,0 1 0 0 0,-1-1 0 0 0,1 0 0 0 0,0 1 0 0 0,1-1 0 0 0,-1 0 0 0 0,0 0 0 0 0,3 4 0 0 0,-3-6 10 0 0,-1-1 0 0 0,1 1 0 0 0,-1-1 0 0 0,1 0 0 0 0,0 1 0 0 0,-1-1 0 0 0,1 0 0 0 0,-1 1 0 0 0,1-1 0 0 0,0 0 0 0 0,-1 0 0 0 0,1 1 0 0 0,0-1 0 0 0,-1 0 0 0 0,1 0 0 0 0,0 0 0 0 0,-1 0 0 0 0,1 0 0 0 0,0 0 0 0 0,-1 0 0 0 0,1 0 0 0 0,0 0 0 0 0,-1 0 0 0 0,1 0 0 0 0,0-1 0 0 0,-1 1 0 0 0,1 0-1 0 0,0 0 1 0 0,0-1 0 0 0,1 0 134 0 0,4 0 71 0 0,-1-1 1 0 0,1 0-1 0 0,-1 0 1 0 0,0 0 0 0 0,0 0-1 0 0,0-1 1 0 0,6-4-1 0 0,33-27-410 0 0,-15 9 271 0 0,-13 13-96 0 0,-12 9-542 0 0,-1 0 0 0 0,1 0 0 0 0,0 0 0 0 0,0 0 0 0 0,1 1 0 0 0,-1-1 0 0 0,0 1 0 0 0,1 0 0 0 0,-1 1 0 0 0,1-1 0 0 0,8-1 0 0 0,0 2-2164 0 0,-1 0-4783 0 0</inkml:trace>
+</inkml:ink>
+</file>
+
+<file path=ppt/ink/ink7.xml><?xml version="1.0" encoding="utf-8"?>
+<inkml:ink xmlns:inkml="http://www.w3.org/2003/InkML">
+  <inkml:definitions>
+    <inkml:context xml:id="ctx0">
+      <inkml:inkSource xml:id="inkSrc0">
+        <inkml:traceFormat>
+          <inkml:channel name="X" type="integer" min="-2.14748E9" max="2.14748E9" units="cm"/>
+          <inkml:channel name="Y" type="integer" min="-2.14748E9" max="2.14748E9" units="cm"/>
+          <inkml:channel name="F" type="integer" max="32767" units="dev"/>
+          <inkml:channel name="OA" type="integer" max="360" units="deg"/>
+          <inkml:channel name="OE" type="integer" max="90" units="deg"/>
+        </inkml:traceFormat>
+        <inkml:channelProperties>
+          <inkml:channelProperty channel="X" name="resolution" value="1000" units="1/cm"/>
+          <inkml:channelProperty channel="Y" name="resolution" value="1000" units="1/cm"/>
+          <inkml:channelProperty channel="F" name="resolution" value="0" units="1/dev"/>
+          <inkml:channelProperty channel="OA" name="resolution" value="1000" units="1/deg"/>
+          <inkml:channelProperty channel="OE" name="resolution" value="1000" units="1/deg"/>
+        </inkml:channelProperties>
+      </inkml:inkSource>
+      <inkml:timestamp xml:id="ts0" timeString="2020-11-09T18:00:41.214"/>
+    </inkml:context>
+    <inkml:brush xml:id="br0">
+      <inkml:brushProperty name="width" value="0.05" units="cm"/>
+      <inkml:brushProperty name="height" value="0.05" units="cm"/>
+      <inkml:brushProperty name="color" value="#E71224"/>
+    </inkml:brush>
+  </inkml:definitions>
+  <inkml:trace contextRef="#ctx0" brushRef="#br0">175 16 16783 0 0,'-7'1'818'0'0,"0"1"-569"0"0,0-1 1 0 0,0 1 0 0 0,0 0-1 0 0,0 1 1 0 0,0 0-1 0 0,0 0 1 0 0,0 0 0 0 0,1 1-1 0 0,0 0 1 0 0,0 0-1 0 0,0 1 1 0 0,0-1-1 0 0,1 1 1 0 0,-9 11 0 0 0,8-10 286 0 0,-5 6 1207 0 0,-16 22 0 0 0,25-30-1524 0 0,0 0-1 0 0,-1-1 1 0 0,1 1 0 0 0,1 0-1 0 0,-1 0 1 0 0,0 1 0 0 0,1-1-1 0 0,0 0 1 0 0,0 0 0 0 0,0 1-1 0 0,0 5 785 0 0,16-25-595 0 0,-3-5-144 0 0,12-29-1 0 0,-17 32-768 0 0,1 0 0 0 0,1 1 0 0 0,16-23 0 0 0,-15 28-2064 0 0</inkml:trace>
+</inkml:ink>
+</file>
+
+<file path=ppt/ink/ink8.xml><?xml version="1.0" encoding="utf-8"?>
+<inkml:ink xmlns:inkml="http://www.w3.org/2003/InkML">
+  <inkml:definitions>
+    <inkml:context xml:id="ctx0">
+      <inkml:inkSource xml:id="inkSrc0">
+        <inkml:traceFormat>
+          <inkml:channel name="X" type="integer" min="-2.14748E9" max="2.14748E9" units="cm"/>
+          <inkml:channel name="Y" type="integer" min="-2.14748E9" max="2.14748E9" units="cm"/>
+          <inkml:channel name="F" type="integer" max="32767" units="dev"/>
+          <inkml:channel name="OA" type="integer" max="360" units="deg"/>
+          <inkml:channel name="OE" type="integer" max="90" units="deg"/>
+        </inkml:traceFormat>
+        <inkml:channelProperties>
+          <inkml:channelProperty channel="X" name="resolution" value="1000" units="1/cm"/>
+          <inkml:channelProperty channel="Y" name="resolution" value="1000" units="1/cm"/>
+          <inkml:channelProperty channel="F" name="resolution" value="0" units="1/dev"/>
+          <inkml:channelProperty channel="OA" name="resolution" value="1000" units="1/deg"/>
+          <inkml:channelProperty channel="OE" name="resolution" value="1000" units="1/deg"/>
+        </inkml:channelProperties>
+      </inkml:inkSource>
+      <inkml:timestamp xml:id="ts0" timeString="2020-11-09T18:00:41.575"/>
+    </inkml:context>
+    <inkml:brush xml:id="br0">
+      <inkml:brushProperty name="width" value="0.05" units="cm"/>
+      <inkml:brushProperty name="height" value="0.05" units="cm"/>
+      <inkml:brushProperty name="color" value="#E71224"/>
+    </inkml:brush>
+  </inkml:definitions>
+  <inkml:trace contextRef="#ctx0" brushRef="#br0">203 4 10592 0 0,'-15'-3'1152'0'0,"10"3"-828"0"0,1-1 1 0 0,-1 1 0 0 0,0 0 0 0 0,1 1-1 0 0,-1-1 1 0 0,0 1 0 0 0,1 0 0 0 0,-1 0-1 0 0,0 0 1 0 0,1 0 0 0 0,-1 1 0 0 0,1 0-1 0 0,0 0 1 0 0,0 0 0 0 0,-5 4-1 0 0,-1 0 585 0 0,1 1 0 0 0,0 0-1 0 0,0 0 1 0 0,1 1 0 0 0,-10 12-1 0 0,12-12-610 0 0,1 0 1 0 0,-1 1-1 0 0,2-1 0 0 0,-1 1 0 0 0,-5 18 0 0 0,7-20-165 0 0,1 0 0 0 0,0 1-1 0 0,0-1 1 0 0,1 1 0 0 0,0 0 0 0 0,0 0 0 0 0,1-1-1 0 0,1 10 1 0 0,-1-15-126 0 0,0-1-1 0 0,0 1 0 0 0,0-1 0 0 0,1 1 1 0 0,-1-1-1 0 0,1 1 0 0 0,-1-1 1 0 0,1 1-1 0 0,-1-1 0 0 0,1 0 0 0 0,0 1 1 0 0,0-1-1 0 0,0 0 0 0 0,0 1 1 0 0,0-1-1 0 0,0 0 0 0 0,0 0 0 0 0,0 0 1 0 0,0 0-1 0 0,0 0 0 0 0,1 0 1 0 0,-1 0-1 0 0,0-1 0 0 0,3 2 1 0 0,-1-1-20 0 0,0 0 0 0 0,0-1 1 0 0,0 0-1 0 0,0 0 1 0 0,0 1-1 0 0,0-2 1 0 0,0 1-1 0 0,-1 0 1 0 0,1-1-1 0 0,0 1 1 0 0,0-1-1 0 0,4-1 1 0 0,0 0-609 0 0,-1-1 0 0 0,1 0 0 0 0,9-6 0 0 0,2-3-898 0 0</inkml:trace>
+</inkml:ink>
+</file>
+
+<file path=ppt/ink/ink9.xml><?xml version="1.0" encoding="utf-8"?>
+<inkml:ink xmlns:inkml="http://www.w3.org/2003/InkML">
+  <inkml:definitions>
+    <inkml:context xml:id="ctx0">
+      <inkml:inkSource xml:id="inkSrc0">
+        <inkml:traceFormat>
+          <inkml:channel name="X" type="integer" min="-2.14748E9" max="2.14748E9" units="cm"/>
+          <inkml:channel name="Y" type="integer" min="-2.14748E9" max="2.14748E9" units="cm"/>
+          <inkml:channel name="F" type="integer" max="32767" units="dev"/>
+          <inkml:channel name="OA" type="integer" max="360" units="deg"/>
+          <inkml:channel name="OE" type="integer" max="90" units="deg"/>
+        </inkml:traceFormat>
+        <inkml:channelProperties>
+          <inkml:channelProperty channel="X" name="resolution" value="1000" units="1/cm"/>
+          <inkml:channelProperty channel="Y" name="resolution" value="1000" units="1/cm"/>
+          <inkml:channelProperty channel="F" name="resolution" value="0" units="1/dev"/>
+          <inkml:channelProperty channel="OA" name="resolution" value="1000" units="1/deg"/>
+          <inkml:channelProperty channel="OE" name="resolution" value="1000" units="1/deg"/>
+        </inkml:channelProperties>
+      </inkml:inkSource>
+      <inkml:timestamp xml:id="ts0" timeString="2020-11-09T18:00:41.935"/>
+    </inkml:context>
+    <inkml:brush xml:id="br0">
+      <inkml:brushProperty name="width" value="0.05" units="cm"/>
+      <inkml:brushProperty name="height" value="0.05" units="cm"/>
+      <inkml:brushProperty name="color" value="#E71224"/>
+    </inkml:brush>
+  </inkml:definitions>
+  <inkml:trace contextRef="#ctx0" brushRef="#br0">70 1 19351 0 0,'0'0'1474'0'0,"-2"12"-828"0"0,-43 137 1402 0 0,40-132-2048 0 0,0 1 0 0 0,1 1 0 0 0,1-1 0 0 0,0 1 0 0 0,2-1 0 0 0,0 1 0 0 0,1-1 0 0 0,3 24 0 0 0,-2-38-226 0 0,-1 1 0 0 0,2-1 0 0 0,-1 0-1 0 0,0 1 1 0 0,1-1 0 0 0,0 0 0 0 0,0 0-1 0 0,0 0 1 0 0,6 7 0 0 0,-6-9-347 0 0,0 1 1 0 0,1 0-1 0 0,-1-1 1 0 0,1 0-1 0 0,0 0 1 0 0,0 0-1 0 0,0 0 1 0 0,0 0-1 0 0,0-1 1 0 0,0 1-1 0 0,1-1 1 0 0,5 2-1 0 0,0-1-1473 0 0</inkml:trace>
+</inkml:ink>
 </file>
 
 <file path=ppt/notesMasters/notesMaster1.xml><?xml version="1.0" encoding="utf-8"?>
@@ -4207,6 +5072,1446 @@
           </a:p>
         </p:txBody>
       </p:sp>
+      <mc:AlternateContent xmlns:mc="http://schemas.openxmlformats.org/markup-compatibility/2006">
+        <mc:Choice xmlns:p14="http://schemas.microsoft.com/office/powerpoint/2010/main" Requires="p14">
+          <p:contentPart p14:bwMode="auto" r:id="rId2">
+            <p14:nvContentPartPr>
+              <p14:cNvPr id="4" name="Ink 3">
+                <a:extLst>
+                  <a:ext uri="{FF2B5EF4-FFF2-40B4-BE49-F238E27FC236}">
+                    <a16:creationId xmlns:a16="http://schemas.microsoft.com/office/drawing/2014/main" id="{8188AA65-F5AA-4FC9-B11D-D9D09D01D322}"/>
+                  </a:ext>
+                </a:extLst>
+              </p14:cNvPr>
+              <p14:cNvContentPartPr/>
+              <p14:nvPr/>
+            </p14:nvContentPartPr>
+            <p14:xfrm>
+              <a:off x="2184049" y="1731499"/>
+              <a:ext cx="757440" cy="59040"/>
+            </p14:xfrm>
+          </p:contentPart>
+        </mc:Choice>
+        <mc:Fallback>
+          <p:pic>
+            <p:nvPicPr>
+              <p:cNvPr id="4" name="Ink 3">
+                <a:extLst>
+                  <a:ext uri="{FF2B5EF4-FFF2-40B4-BE49-F238E27FC236}">
+                    <a16:creationId xmlns:a16="http://schemas.microsoft.com/office/drawing/2014/main" id="{8188AA65-F5AA-4FC9-B11D-D9D09D01D322}"/>
+                  </a:ext>
+                </a:extLst>
+              </p:cNvPr>
+              <p:cNvPicPr/>
+              <p:nvPr/>
+            </p:nvPicPr>
+            <p:blipFill>
+              <a:blip r:embed="rId3"/>
+              <a:stretch>
+                <a:fillRect/>
+              </a:stretch>
+            </p:blipFill>
+            <p:spPr>
+              <a:xfrm>
+                <a:off x="2175409" y="1722499"/>
+                <a:ext cx="775080" cy="76680"/>
+              </a:xfrm>
+              <a:prstGeom prst="rect">
+                <a:avLst/>
+              </a:prstGeom>
+            </p:spPr>
+          </p:pic>
+        </mc:Fallback>
+      </mc:AlternateContent>
+      <mc:AlternateContent xmlns:mc="http://schemas.openxmlformats.org/markup-compatibility/2006">
+        <mc:Choice xmlns:p14="http://schemas.microsoft.com/office/powerpoint/2010/main" Requires="p14">
+          <p:contentPart p14:bwMode="auto" r:id="rId4">
+            <p14:nvContentPartPr>
+              <p14:cNvPr id="5" name="Ink 4">
+                <a:extLst>
+                  <a:ext uri="{FF2B5EF4-FFF2-40B4-BE49-F238E27FC236}">
+                    <a16:creationId xmlns:a16="http://schemas.microsoft.com/office/drawing/2014/main" id="{F656ACC7-F544-40B4-81D1-E4A58AD6866C}"/>
+                  </a:ext>
+                </a:extLst>
+              </p14:cNvPr>
+              <p14:cNvContentPartPr/>
+              <p14:nvPr/>
+            </p14:nvContentPartPr>
+            <p14:xfrm>
+              <a:off x="2311489" y="2146939"/>
+              <a:ext cx="560880" cy="49680"/>
+            </p14:xfrm>
+          </p:contentPart>
+        </mc:Choice>
+        <mc:Fallback>
+          <p:pic>
+            <p:nvPicPr>
+              <p:cNvPr id="5" name="Ink 4">
+                <a:extLst>
+                  <a:ext uri="{FF2B5EF4-FFF2-40B4-BE49-F238E27FC236}">
+                    <a16:creationId xmlns:a16="http://schemas.microsoft.com/office/drawing/2014/main" id="{F656ACC7-F544-40B4-81D1-E4A58AD6866C}"/>
+                  </a:ext>
+                </a:extLst>
+              </p:cNvPr>
+              <p:cNvPicPr/>
+              <p:nvPr/>
+            </p:nvPicPr>
+            <p:blipFill>
+              <a:blip r:embed="rId5"/>
+              <a:stretch>
+                <a:fillRect/>
+              </a:stretch>
+            </p:blipFill>
+            <p:spPr>
+              <a:xfrm>
+                <a:off x="2302489" y="2137939"/>
+                <a:ext cx="578520" cy="67320"/>
+              </a:xfrm>
+              <a:prstGeom prst="rect">
+                <a:avLst/>
+              </a:prstGeom>
+            </p:spPr>
+          </p:pic>
+        </mc:Fallback>
+      </mc:AlternateContent>
+      <p:grpSp>
+        <p:nvGrpSpPr>
+          <p:cNvPr id="18" name="Group 17">
+            <a:extLst>
+              <a:ext uri="{FF2B5EF4-FFF2-40B4-BE49-F238E27FC236}">
+                <a16:creationId xmlns:a16="http://schemas.microsoft.com/office/drawing/2014/main" id="{DE5A106A-F1BF-4685-87B6-53B051DCB5F1}"/>
+              </a:ext>
+            </a:extLst>
+          </p:cNvPr>
+          <p:cNvGrpSpPr/>
+          <p:nvPr/>
+        </p:nvGrpSpPr>
+        <p:grpSpPr>
+          <a:xfrm>
+            <a:off x="1791289" y="2532859"/>
+            <a:ext cx="2936520" cy="374040"/>
+            <a:chOff x="1791289" y="2532859"/>
+            <a:chExt cx="2936520" cy="374040"/>
+          </a:xfrm>
+        </p:grpSpPr>
+        <mc:AlternateContent xmlns:mc="http://schemas.openxmlformats.org/markup-compatibility/2006">
+          <mc:Choice xmlns:p14="http://schemas.microsoft.com/office/powerpoint/2010/main" Requires="p14">
+            <p:contentPart p14:bwMode="auto" r:id="rId6">
+              <p14:nvContentPartPr>
+                <p14:cNvPr id="6" name="Ink 5">
+                  <a:extLst>
+                    <a:ext uri="{FF2B5EF4-FFF2-40B4-BE49-F238E27FC236}">
+                      <a16:creationId xmlns:a16="http://schemas.microsoft.com/office/drawing/2014/main" id="{2439CD2E-0106-47D4-B4DA-37D655A4E077}"/>
+                    </a:ext>
+                  </a:extLst>
+                </p14:cNvPr>
+                <p14:cNvContentPartPr/>
+                <p14:nvPr/>
+              </p14:nvContentPartPr>
+              <p14:xfrm>
+                <a:off x="1791289" y="2532859"/>
+                <a:ext cx="867240" cy="42840"/>
+              </p14:xfrm>
+            </p:contentPart>
+          </mc:Choice>
+          <mc:Fallback>
+            <p:pic>
+              <p:nvPicPr>
+                <p:cNvPr id="6" name="Ink 5">
+                  <a:extLst>
+                    <a:ext uri="{FF2B5EF4-FFF2-40B4-BE49-F238E27FC236}">
+                      <a16:creationId xmlns:a16="http://schemas.microsoft.com/office/drawing/2014/main" id="{2439CD2E-0106-47D4-B4DA-37D655A4E077}"/>
+                    </a:ext>
+                  </a:extLst>
+                </p:cNvPr>
+                <p:cNvPicPr/>
+                <p:nvPr/>
+              </p:nvPicPr>
+              <p:blipFill>
+                <a:blip r:embed="rId7"/>
+                <a:stretch>
+                  <a:fillRect/>
+                </a:stretch>
+              </p:blipFill>
+              <p:spPr>
+                <a:xfrm>
+                  <a:off x="1782649" y="2523859"/>
+                  <a:ext cx="884880" cy="60480"/>
+                </a:xfrm>
+                <a:prstGeom prst="rect">
+                  <a:avLst/>
+                </a:prstGeom>
+              </p:spPr>
+            </p:pic>
+          </mc:Fallback>
+        </mc:AlternateContent>
+        <mc:AlternateContent xmlns:mc="http://schemas.openxmlformats.org/markup-compatibility/2006">
+          <mc:Choice xmlns:p14="http://schemas.microsoft.com/office/powerpoint/2010/main" Requires="p14">
+            <p:contentPart p14:bwMode="auto" r:id="rId8">
+              <p14:nvContentPartPr>
+                <p14:cNvPr id="7" name="Ink 6">
+                  <a:extLst>
+                    <a:ext uri="{FF2B5EF4-FFF2-40B4-BE49-F238E27FC236}">
+                      <a16:creationId xmlns:a16="http://schemas.microsoft.com/office/drawing/2014/main" id="{424EFD21-8324-445C-9150-FFA3F757216E}"/>
+                    </a:ext>
+                  </a:extLst>
+                </p14:cNvPr>
+                <p14:cNvContentPartPr/>
+                <p14:nvPr/>
+              </p14:nvContentPartPr>
+              <p14:xfrm>
+                <a:off x="2901889" y="2856139"/>
+                <a:ext cx="650160" cy="50040"/>
+              </p14:xfrm>
+            </p:contentPart>
+          </mc:Choice>
+          <mc:Fallback>
+            <p:pic>
+              <p:nvPicPr>
+                <p:cNvPr id="7" name="Ink 6">
+                  <a:extLst>
+                    <a:ext uri="{FF2B5EF4-FFF2-40B4-BE49-F238E27FC236}">
+                      <a16:creationId xmlns:a16="http://schemas.microsoft.com/office/drawing/2014/main" id="{424EFD21-8324-445C-9150-FFA3F757216E}"/>
+                    </a:ext>
+                  </a:extLst>
+                </p:cNvPr>
+                <p:cNvPicPr/>
+                <p:nvPr/>
+              </p:nvPicPr>
+              <p:blipFill>
+                <a:blip r:embed="rId9"/>
+                <a:stretch>
+                  <a:fillRect/>
+                </a:stretch>
+              </p:blipFill>
+              <p:spPr>
+                <a:xfrm>
+                  <a:off x="2892889" y="2847139"/>
+                  <a:ext cx="667800" cy="67680"/>
+                </a:xfrm>
+                <a:prstGeom prst="rect">
+                  <a:avLst/>
+                </a:prstGeom>
+              </p:spPr>
+            </p:pic>
+          </mc:Fallback>
+        </mc:AlternateContent>
+        <mc:AlternateContent xmlns:mc="http://schemas.openxmlformats.org/markup-compatibility/2006">
+          <mc:Choice xmlns:p14="http://schemas.microsoft.com/office/powerpoint/2010/main" Requires="p14">
+            <p:contentPart p14:bwMode="auto" r:id="rId10">
+              <p14:nvContentPartPr>
+                <p14:cNvPr id="8" name="Ink 7">
+                  <a:extLst>
+                    <a:ext uri="{FF2B5EF4-FFF2-40B4-BE49-F238E27FC236}">
+                      <a16:creationId xmlns:a16="http://schemas.microsoft.com/office/drawing/2014/main" id="{5C40F774-F666-4542-9D88-88DEED95A0D1}"/>
+                    </a:ext>
+                  </a:extLst>
+                </p14:cNvPr>
+                <p14:cNvContentPartPr/>
+                <p14:nvPr/>
+              </p14:nvContentPartPr>
+              <p14:xfrm>
+                <a:off x="3658969" y="2739859"/>
+                <a:ext cx="220320" cy="113400"/>
+              </p14:xfrm>
+            </p:contentPart>
+          </mc:Choice>
+          <mc:Fallback>
+            <p:pic>
+              <p:nvPicPr>
+                <p:cNvPr id="8" name="Ink 7">
+                  <a:extLst>
+                    <a:ext uri="{FF2B5EF4-FFF2-40B4-BE49-F238E27FC236}">
+                      <a16:creationId xmlns:a16="http://schemas.microsoft.com/office/drawing/2014/main" id="{5C40F774-F666-4542-9D88-88DEED95A0D1}"/>
+                    </a:ext>
+                  </a:extLst>
+                </p:cNvPr>
+                <p:cNvPicPr/>
+                <p:nvPr/>
+              </p:nvPicPr>
+              <p:blipFill>
+                <a:blip r:embed="rId11"/>
+                <a:stretch>
+                  <a:fillRect/>
+                </a:stretch>
+              </p:blipFill>
+              <p:spPr>
+                <a:xfrm>
+                  <a:off x="3650329" y="2730859"/>
+                  <a:ext cx="237960" cy="131040"/>
+                </a:xfrm>
+                <a:prstGeom prst="rect">
+                  <a:avLst/>
+                </a:prstGeom>
+              </p:spPr>
+            </p:pic>
+          </mc:Fallback>
+        </mc:AlternateContent>
+        <mc:AlternateContent xmlns:mc="http://schemas.openxmlformats.org/markup-compatibility/2006">
+          <mc:Choice xmlns:p14="http://schemas.microsoft.com/office/powerpoint/2010/main" Requires="p14">
+            <p:contentPart p14:bwMode="auto" r:id="rId12">
+              <p14:nvContentPartPr>
+                <p14:cNvPr id="9" name="Ink 8">
+                  <a:extLst>
+                    <a:ext uri="{FF2B5EF4-FFF2-40B4-BE49-F238E27FC236}">
+                      <a16:creationId xmlns:a16="http://schemas.microsoft.com/office/drawing/2014/main" id="{FE8C04F1-DF34-4F77-ABFE-E6A42A74CD6B}"/>
+                    </a:ext>
+                  </a:extLst>
+                </p14:cNvPr>
+                <p14:cNvContentPartPr/>
+                <p14:nvPr/>
+              </p14:nvContentPartPr>
+              <p14:xfrm>
+                <a:off x="3926809" y="2788819"/>
+                <a:ext cx="154800" cy="73800"/>
+              </p14:xfrm>
+            </p:contentPart>
+          </mc:Choice>
+          <mc:Fallback>
+            <p:pic>
+              <p:nvPicPr>
+                <p:cNvPr id="9" name="Ink 8">
+                  <a:extLst>
+                    <a:ext uri="{FF2B5EF4-FFF2-40B4-BE49-F238E27FC236}">
+                      <a16:creationId xmlns:a16="http://schemas.microsoft.com/office/drawing/2014/main" id="{FE8C04F1-DF34-4F77-ABFE-E6A42A74CD6B}"/>
+                    </a:ext>
+                  </a:extLst>
+                </p:cNvPr>
+                <p:cNvPicPr/>
+                <p:nvPr/>
+              </p:nvPicPr>
+              <p:blipFill>
+                <a:blip r:embed="rId13"/>
+                <a:stretch>
+                  <a:fillRect/>
+                </a:stretch>
+              </p:blipFill>
+              <p:spPr>
+                <a:xfrm>
+                  <a:off x="3917809" y="2780179"/>
+                  <a:ext cx="172440" cy="91440"/>
+                </a:xfrm>
+                <a:prstGeom prst="rect">
+                  <a:avLst/>
+                </a:prstGeom>
+              </p:spPr>
+            </p:pic>
+          </mc:Fallback>
+        </mc:AlternateContent>
+        <mc:AlternateContent xmlns:mc="http://schemas.openxmlformats.org/markup-compatibility/2006">
+          <mc:Choice xmlns:p14="http://schemas.microsoft.com/office/powerpoint/2010/main" Requires="p14">
+            <p:contentPart p14:bwMode="auto" r:id="rId14">
+              <p14:nvContentPartPr>
+                <p14:cNvPr id="10" name="Ink 9">
+                  <a:extLst>
+                    <a:ext uri="{FF2B5EF4-FFF2-40B4-BE49-F238E27FC236}">
+                      <a16:creationId xmlns:a16="http://schemas.microsoft.com/office/drawing/2014/main" id="{5E0FF5F5-4F87-4368-8529-7406B9F9F8D0}"/>
+                    </a:ext>
+                  </a:extLst>
+                </p14:cNvPr>
+                <p14:cNvContentPartPr/>
+                <p14:nvPr/>
+              </p14:nvContentPartPr>
+              <p14:xfrm>
+                <a:off x="4075849" y="2807539"/>
+                <a:ext cx="63360" cy="66600"/>
+              </p14:xfrm>
+            </p:contentPart>
+          </mc:Choice>
+          <mc:Fallback>
+            <p:pic>
+              <p:nvPicPr>
+                <p:cNvPr id="10" name="Ink 9">
+                  <a:extLst>
+                    <a:ext uri="{FF2B5EF4-FFF2-40B4-BE49-F238E27FC236}">
+                      <a16:creationId xmlns:a16="http://schemas.microsoft.com/office/drawing/2014/main" id="{5E0FF5F5-4F87-4368-8529-7406B9F9F8D0}"/>
+                    </a:ext>
+                  </a:extLst>
+                </p:cNvPr>
+                <p:cNvPicPr/>
+                <p:nvPr/>
+              </p:nvPicPr>
+              <p:blipFill>
+                <a:blip r:embed="rId15"/>
+                <a:stretch>
+                  <a:fillRect/>
+                </a:stretch>
+              </p:blipFill>
+              <p:spPr>
+                <a:xfrm>
+                  <a:off x="4066849" y="2798899"/>
+                  <a:ext cx="81000" cy="84240"/>
+                </a:xfrm>
+                <a:prstGeom prst="rect">
+                  <a:avLst/>
+                </a:prstGeom>
+              </p:spPr>
+            </p:pic>
+          </mc:Fallback>
+        </mc:AlternateContent>
+        <mc:AlternateContent xmlns:mc="http://schemas.openxmlformats.org/markup-compatibility/2006">
+          <mc:Choice xmlns:p14="http://schemas.microsoft.com/office/powerpoint/2010/main" Requires="p14">
+            <p:contentPart p14:bwMode="auto" r:id="rId16">
+              <p14:nvContentPartPr>
+                <p14:cNvPr id="11" name="Ink 10">
+                  <a:extLst>
+                    <a:ext uri="{FF2B5EF4-FFF2-40B4-BE49-F238E27FC236}">
+                      <a16:creationId xmlns:a16="http://schemas.microsoft.com/office/drawing/2014/main" id="{23FE375F-880F-42F0-8A26-54512AAE3F93}"/>
+                    </a:ext>
+                  </a:extLst>
+                </p14:cNvPr>
+                <p14:cNvContentPartPr/>
+                <p14:nvPr/>
+              </p14:nvContentPartPr>
+              <p14:xfrm>
+                <a:off x="4304089" y="2761099"/>
+                <a:ext cx="73440" cy="92160"/>
+              </p14:xfrm>
+            </p:contentPart>
+          </mc:Choice>
+          <mc:Fallback>
+            <p:pic>
+              <p:nvPicPr>
+                <p:cNvPr id="11" name="Ink 10">
+                  <a:extLst>
+                    <a:ext uri="{FF2B5EF4-FFF2-40B4-BE49-F238E27FC236}">
+                      <a16:creationId xmlns:a16="http://schemas.microsoft.com/office/drawing/2014/main" id="{23FE375F-880F-42F0-8A26-54512AAE3F93}"/>
+                    </a:ext>
+                  </a:extLst>
+                </p:cNvPr>
+                <p:cNvPicPr/>
+                <p:nvPr/>
+              </p:nvPicPr>
+              <p:blipFill>
+                <a:blip r:embed="rId17"/>
+                <a:stretch>
+                  <a:fillRect/>
+                </a:stretch>
+              </p:blipFill>
+              <p:spPr>
+                <a:xfrm>
+                  <a:off x="4295089" y="2752099"/>
+                  <a:ext cx="91080" cy="109800"/>
+                </a:xfrm>
+                <a:prstGeom prst="rect">
+                  <a:avLst/>
+                </a:prstGeom>
+              </p:spPr>
+            </p:pic>
+          </mc:Fallback>
+        </mc:AlternateContent>
+        <mc:AlternateContent xmlns:mc="http://schemas.openxmlformats.org/markup-compatibility/2006">
+          <mc:Choice xmlns:p14="http://schemas.microsoft.com/office/powerpoint/2010/main" Requires="p14">
+            <p:contentPart p14:bwMode="auto" r:id="rId18">
+              <p14:nvContentPartPr>
+                <p14:cNvPr id="12" name="Ink 11">
+                  <a:extLst>
+                    <a:ext uri="{FF2B5EF4-FFF2-40B4-BE49-F238E27FC236}">
+                      <a16:creationId xmlns:a16="http://schemas.microsoft.com/office/drawing/2014/main" id="{E1ACE3D1-E0B5-46D2-8729-ECFA2D2E5FA1}"/>
+                    </a:ext>
+                  </a:extLst>
+                </p14:cNvPr>
+                <p14:cNvContentPartPr/>
+                <p14:nvPr/>
+              </p14:nvContentPartPr>
+              <p14:xfrm>
+                <a:off x="4456009" y="2675059"/>
+                <a:ext cx="27720" cy="154440"/>
+              </p14:xfrm>
+            </p:contentPart>
+          </mc:Choice>
+          <mc:Fallback>
+            <p:pic>
+              <p:nvPicPr>
+                <p:cNvPr id="12" name="Ink 11">
+                  <a:extLst>
+                    <a:ext uri="{FF2B5EF4-FFF2-40B4-BE49-F238E27FC236}">
+                      <a16:creationId xmlns:a16="http://schemas.microsoft.com/office/drawing/2014/main" id="{E1ACE3D1-E0B5-46D2-8729-ECFA2D2E5FA1}"/>
+                    </a:ext>
+                  </a:extLst>
+                </p:cNvPr>
+                <p:cNvPicPr/>
+                <p:nvPr/>
+              </p:nvPicPr>
+              <p:blipFill>
+                <a:blip r:embed="rId19"/>
+                <a:stretch>
+                  <a:fillRect/>
+                </a:stretch>
+              </p:blipFill>
+              <p:spPr>
+                <a:xfrm>
+                  <a:off x="4447369" y="2666419"/>
+                  <a:ext cx="45360" cy="172080"/>
+                </a:xfrm>
+                <a:prstGeom prst="rect">
+                  <a:avLst/>
+                </a:prstGeom>
+              </p:spPr>
+            </p:pic>
+          </mc:Fallback>
+        </mc:AlternateContent>
+        <mc:AlternateContent xmlns:mc="http://schemas.openxmlformats.org/markup-compatibility/2006">
+          <mc:Choice xmlns:p14="http://schemas.microsoft.com/office/powerpoint/2010/main" Requires="p14">
+            <p:contentPart p14:bwMode="auto" r:id="rId20">
+              <p14:nvContentPartPr>
+                <p14:cNvPr id="13" name="Ink 12">
+                  <a:extLst>
+                    <a:ext uri="{FF2B5EF4-FFF2-40B4-BE49-F238E27FC236}">
+                      <a16:creationId xmlns:a16="http://schemas.microsoft.com/office/drawing/2014/main" id="{26003405-6FE9-40CD-A403-69E52EA08851}"/>
+                    </a:ext>
+                  </a:extLst>
+                </p14:cNvPr>
+                <p14:cNvContentPartPr/>
+                <p14:nvPr/>
+              </p14:nvContentPartPr>
+              <p14:xfrm>
+                <a:off x="4486249" y="2802859"/>
+                <a:ext cx="60480" cy="39960"/>
+              </p14:xfrm>
+            </p:contentPart>
+          </mc:Choice>
+          <mc:Fallback>
+            <p:pic>
+              <p:nvPicPr>
+                <p:cNvPr id="13" name="Ink 12">
+                  <a:extLst>
+                    <a:ext uri="{FF2B5EF4-FFF2-40B4-BE49-F238E27FC236}">
+                      <a16:creationId xmlns:a16="http://schemas.microsoft.com/office/drawing/2014/main" id="{26003405-6FE9-40CD-A403-69E52EA08851}"/>
+                    </a:ext>
+                  </a:extLst>
+                </p:cNvPr>
+                <p:cNvPicPr/>
+                <p:nvPr/>
+              </p:nvPicPr>
+              <p:blipFill>
+                <a:blip r:embed="rId21"/>
+                <a:stretch>
+                  <a:fillRect/>
+                </a:stretch>
+              </p:blipFill>
+              <p:spPr>
+                <a:xfrm>
+                  <a:off x="4477609" y="2793859"/>
+                  <a:ext cx="78120" cy="57600"/>
+                </a:xfrm>
+                <a:prstGeom prst="rect">
+                  <a:avLst/>
+                </a:prstGeom>
+              </p:spPr>
+            </p:pic>
+          </mc:Fallback>
+        </mc:AlternateContent>
+        <mc:AlternateContent xmlns:mc="http://schemas.openxmlformats.org/markup-compatibility/2006">
+          <mc:Choice xmlns:p14="http://schemas.microsoft.com/office/powerpoint/2010/main" Requires="p14">
+            <p:contentPart p14:bwMode="auto" r:id="rId22">
+              <p14:nvContentPartPr>
+                <p14:cNvPr id="14" name="Ink 13">
+                  <a:extLst>
+                    <a:ext uri="{FF2B5EF4-FFF2-40B4-BE49-F238E27FC236}">
+                      <a16:creationId xmlns:a16="http://schemas.microsoft.com/office/drawing/2014/main" id="{5D8B3A00-3543-4EE8-92E9-2C7D2C0AD911}"/>
+                    </a:ext>
+                  </a:extLst>
+                </p14:cNvPr>
+                <p14:cNvContentPartPr/>
+                <p14:nvPr/>
+              </p14:nvContentPartPr>
+              <p14:xfrm>
+                <a:off x="4575889" y="2737339"/>
+                <a:ext cx="77040" cy="97560"/>
+              </p14:xfrm>
+            </p:contentPart>
+          </mc:Choice>
+          <mc:Fallback>
+            <p:pic>
+              <p:nvPicPr>
+                <p:cNvPr id="14" name="Ink 13">
+                  <a:extLst>
+                    <a:ext uri="{FF2B5EF4-FFF2-40B4-BE49-F238E27FC236}">
+                      <a16:creationId xmlns:a16="http://schemas.microsoft.com/office/drawing/2014/main" id="{5D8B3A00-3543-4EE8-92E9-2C7D2C0AD911}"/>
+                    </a:ext>
+                  </a:extLst>
+                </p:cNvPr>
+                <p:cNvPicPr/>
+                <p:nvPr/>
+              </p:nvPicPr>
+              <p:blipFill>
+                <a:blip r:embed="rId23"/>
+                <a:stretch>
+                  <a:fillRect/>
+                </a:stretch>
+              </p:blipFill>
+              <p:spPr>
+                <a:xfrm>
+                  <a:off x="4567249" y="2728339"/>
+                  <a:ext cx="94680" cy="115200"/>
+                </a:xfrm>
+                <a:prstGeom prst="rect">
+                  <a:avLst/>
+                </a:prstGeom>
+              </p:spPr>
+            </p:pic>
+          </mc:Fallback>
+        </mc:AlternateContent>
+        <mc:AlternateContent xmlns:mc="http://schemas.openxmlformats.org/markup-compatibility/2006">
+          <mc:Choice xmlns:p14="http://schemas.microsoft.com/office/powerpoint/2010/main" Requires="p14">
+            <p:contentPart p14:bwMode="auto" r:id="rId24">
+              <p14:nvContentPartPr>
+                <p14:cNvPr id="15" name="Ink 14">
+                  <a:extLst>
+                    <a:ext uri="{FF2B5EF4-FFF2-40B4-BE49-F238E27FC236}">
+                      <a16:creationId xmlns:a16="http://schemas.microsoft.com/office/drawing/2014/main" id="{39B836D0-C8B0-48B4-ABAF-179928516C7B}"/>
+                    </a:ext>
+                  </a:extLst>
+                </p14:cNvPr>
+                <p14:cNvContentPartPr/>
+                <p14:nvPr/>
+              </p14:nvContentPartPr>
+              <p14:xfrm>
+                <a:off x="4682089" y="2749579"/>
+                <a:ext cx="45720" cy="84600"/>
+              </p14:xfrm>
+            </p:contentPart>
+          </mc:Choice>
+          <mc:Fallback>
+            <p:pic>
+              <p:nvPicPr>
+                <p:cNvPr id="15" name="Ink 14">
+                  <a:extLst>
+                    <a:ext uri="{FF2B5EF4-FFF2-40B4-BE49-F238E27FC236}">
+                      <a16:creationId xmlns:a16="http://schemas.microsoft.com/office/drawing/2014/main" id="{39B836D0-C8B0-48B4-ABAF-179928516C7B}"/>
+                    </a:ext>
+                  </a:extLst>
+                </p:cNvPr>
+                <p:cNvPicPr/>
+                <p:nvPr/>
+              </p:nvPicPr>
+              <p:blipFill>
+                <a:blip r:embed="rId25"/>
+                <a:stretch>
+                  <a:fillRect/>
+                </a:stretch>
+              </p:blipFill>
+              <p:spPr>
+                <a:xfrm>
+                  <a:off x="4673089" y="2740579"/>
+                  <a:ext cx="63360" cy="102240"/>
+                </a:xfrm>
+                <a:prstGeom prst="rect">
+                  <a:avLst/>
+                </a:prstGeom>
+              </p:spPr>
+            </p:pic>
+          </mc:Fallback>
+        </mc:AlternateContent>
+        <mc:AlternateContent xmlns:mc="http://schemas.openxmlformats.org/markup-compatibility/2006">
+          <mc:Choice xmlns:p14="http://schemas.microsoft.com/office/powerpoint/2010/main" Requires="p14">
+            <p:contentPart p14:bwMode="auto" r:id="rId26">
+              <p14:nvContentPartPr>
+                <p14:cNvPr id="16" name="Ink 15">
+                  <a:extLst>
+                    <a:ext uri="{FF2B5EF4-FFF2-40B4-BE49-F238E27FC236}">
+                      <a16:creationId xmlns:a16="http://schemas.microsoft.com/office/drawing/2014/main" id="{BEC5E233-5618-419B-9758-C18F99FB5F7E}"/>
+                    </a:ext>
+                  </a:extLst>
+                </p14:cNvPr>
+                <p14:cNvContentPartPr/>
+                <p14:nvPr/>
+              </p14:nvContentPartPr>
+              <p14:xfrm>
+                <a:off x="4456369" y="2787019"/>
+                <a:ext cx="76320" cy="76680"/>
+              </p14:xfrm>
+            </p:contentPart>
+          </mc:Choice>
+          <mc:Fallback>
+            <p:pic>
+              <p:nvPicPr>
+                <p:cNvPr id="16" name="Ink 15">
+                  <a:extLst>
+                    <a:ext uri="{FF2B5EF4-FFF2-40B4-BE49-F238E27FC236}">
+                      <a16:creationId xmlns:a16="http://schemas.microsoft.com/office/drawing/2014/main" id="{BEC5E233-5618-419B-9758-C18F99FB5F7E}"/>
+                    </a:ext>
+                  </a:extLst>
+                </p:cNvPr>
+                <p:cNvPicPr/>
+                <p:nvPr/>
+              </p:nvPicPr>
+              <p:blipFill>
+                <a:blip r:embed="rId27"/>
+                <a:stretch>
+                  <a:fillRect/>
+                </a:stretch>
+              </p:blipFill>
+              <p:spPr>
+                <a:xfrm>
+                  <a:off x="4447369" y="2778019"/>
+                  <a:ext cx="93960" cy="94320"/>
+                </a:xfrm>
+                <a:prstGeom prst="rect">
+                  <a:avLst/>
+                </a:prstGeom>
+              </p:spPr>
+            </p:pic>
+          </mc:Fallback>
+        </mc:AlternateContent>
+        <mc:AlternateContent xmlns:mc="http://schemas.openxmlformats.org/markup-compatibility/2006">
+          <mc:Choice xmlns:p14="http://schemas.microsoft.com/office/powerpoint/2010/main" Requires="p14">
+            <p:contentPart p14:bwMode="auto" r:id="rId28">
+              <p14:nvContentPartPr>
+                <p14:cNvPr id="17" name="Ink 16">
+                  <a:extLst>
+                    <a:ext uri="{FF2B5EF4-FFF2-40B4-BE49-F238E27FC236}">
+                      <a16:creationId xmlns:a16="http://schemas.microsoft.com/office/drawing/2014/main" id="{AADDEDDC-EEDF-498D-A78C-65A1AFA43BB0}"/>
+                    </a:ext>
+                  </a:extLst>
+                </p14:cNvPr>
+                <p14:cNvContentPartPr/>
+                <p14:nvPr/>
+              </p14:nvContentPartPr>
+              <p14:xfrm>
+                <a:off x="4076929" y="2802139"/>
+                <a:ext cx="66960" cy="104760"/>
+              </p14:xfrm>
+            </p:contentPart>
+          </mc:Choice>
+          <mc:Fallback>
+            <p:pic>
+              <p:nvPicPr>
+                <p:cNvPr id="17" name="Ink 16">
+                  <a:extLst>
+                    <a:ext uri="{FF2B5EF4-FFF2-40B4-BE49-F238E27FC236}">
+                      <a16:creationId xmlns:a16="http://schemas.microsoft.com/office/drawing/2014/main" id="{AADDEDDC-EEDF-498D-A78C-65A1AFA43BB0}"/>
+                    </a:ext>
+                  </a:extLst>
+                </p:cNvPr>
+                <p:cNvPicPr/>
+                <p:nvPr/>
+              </p:nvPicPr>
+              <p:blipFill>
+                <a:blip r:embed="rId29"/>
+                <a:stretch>
+                  <a:fillRect/>
+                </a:stretch>
+              </p:blipFill>
+              <p:spPr>
+                <a:xfrm>
+                  <a:off x="4068289" y="2793139"/>
+                  <a:ext cx="84600" cy="122400"/>
+                </a:xfrm>
+                <a:prstGeom prst="rect">
+                  <a:avLst/>
+                </a:prstGeom>
+              </p:spPr>
+            </p:pic>
+          </mc:Fallback>
+        </mc:AlternateContent>
+      </p:grpSp>
+      <mc:AlternateContent xmlns:mc="http://schemas.openxmlformats.org/markup-compatibility/2006">
+        <mc:Choice xmlns:p14="http://schemas.microsoft.com/office/powerpoint/2010/main" Requires="p14">
+          <p:contentPart p14:bwMode="auto" r:id="rId30">
+            <p14:nvContentPartPr>
+              <p14:cNvPr id="19" name="Ink 18">
+                <a:extLst>
+                  <a:ext uri="{FF2B5EF4-FFF2-40B4-BE49-F238E27FC236}">
+                    <a16:creationId xmlns:a16="http://schemas.microsoft.com/office/drawing/2014/main" id="{66D0F1DE-74B7-45AA-9061-412EEE02EA9C}"/>
+                  </a:ext>
+                </a:extLst>
+              </p14:cNvPr>
+              <p14:cNvContentPartPr/>
+              <p14:nvPr/>
+            </p14:nvContentPartPr>
+            <p14:xfrm>
+              <a:off x="836929" y="3287779"/>
+              <a:ext cx="500760" cy="39960"/>
+            </p14:xfrm>
+          </p:contentPart>
+        </mc:Choice>
+        <mc:Fallback>
+          <p:pic>
+            <p:nvPicPr>
+              <p:cNvPr id="19" name="Ink 18">
+                <a:extLst>
+                  <a:ext uri="{FF2B5EF4-FFF2-40B4-BE49-F238E27FC236}">
+                    <a16:creationId xmlns:a16="http://schemas.microsoft.com/office/drawing/2014/main" id="{66D0F1DE-74B7-45AA-9061-412EEE02EA9C}"/>
+                  </a:ext>
+                </a:extLst>
+              </p:cNvPr>
+              <p:cNvPicPr/>
+              <p:nvPr/>
+            </p:nvPicPr>
+            <p:blipFill>
+              <a:blip r:embed="rId31"/>
+              <a:stretch>
+                <a:fillRect/>
+              </a:stretch>
+            </p:blipFill>
+            <p:spPr>
+              <a:xfrm>
+                <a:off x="827929" y="3278779"/>
+                <a:ext cx="518400" cy="57600"/>
+              </a:xfrm>
+              <a:prstGeom prst="rect">
+                <a:avLst/>
+              </a:prstGeom>
+            </p:spPr>
+          </p:pic>
+        </mc:Fallback>
+      </mc:AlternateContent>
+      <mc:AlternateContent xmlns:mc="http://schemas.openxmlformats.org/markup-compatibility/2006">
+        <mc:Choice xmlns:p14="http://schemas.microsoft.com/office/powerpoint/2010/main" Requires="p14">
+          <p:contentPart p14:bwMode="auto" r:id="rId32">
+            <p14:nvContentPartPr>
+              <p14:cNvPr id="20" name="Ink 19">
+                <a:extLst>
+                  <a:ext uri="{FF2B5EF4-FFF2-40B4-BE49-F238E27FC236}">
+                    <a16:creationId xmlns:a16="http://schemas.microsoft.com/office/drawing/2014/main" id="{749A61B1-B9EB-4FA4-BD8F-0C0DE7052F38}"/>
+                  </a:ext>
+                </a:extLst>
+              </p14:cNvPr>
+              <p14:cNvContentPartPr/>
+              <p14:nvPr/>
+            </p14:nvContentPartPr>
+            <p14:xfrm>
+              <a:off x="4003129" y="3744979"/>
+              <a:ext cx="1549800" cy="50760"/>
+            </p14:xfrm>
+          </p:contentPart>
+        </mc:Choice>
+        <mc:Fallback>
+          <p:pic>
+            <p:nvPicPr>
+              <p:cNvPr id="20" name="Ink 19">
+                <a:extLst>
+                  <a:ext uri="{FF2B5EF4-FFF2-40B4-BE49-F238E27FC236}">
+                    <a16:creationId xmlns:a16="http://schemas.microsoft.com/office/drawing/2014/main" id="{749A61B1-B9EB-4FA4-BD8F-0C0DE7052F38}"/>
+                  </a:ext>
+                </a:extLst>
+              </p:cNvPr>
+              <p:cNvPicPr/>
+              <p:nvPr/>
+            </p:nvPicPr>
+            <p:blipFill>
+              <a:blip r:embed="rId33"/>
+              <a:stretch>
+                <a:fillRect/>
+              </a:stretch>
+            </p:blipFill>
+            <p:spPr>
+              <a:xfrm>
+                <a:off x="3994489" y="3735979"/>
+                <a:ext cx="1567440" cy="68400"/>
+              </a:xfrm>
+              <a:prstGeom prst="rect">
+                <a:avLst/>
+              </a:prstGeom>
+            </p:spPr>
+          </p:pic>
+        </mc:Fallback>
+      </mc:AlternateContent>
+      <p:grpSp>
+        <p:nvGrpSpPr>
+          <p:cNvPr id="28" name="Group 27">
+            <a:extLst>
+              <a:ext uri="{FF2B5EF4-FFF2-40B4-BE49-F238E27FC236}">
+                <a16:creationId xmlns:a16="http://schemas.microsoft.com/office/drawing/2014/main" id="{E57218F9-49E2-4BE7-BDC6-6FB957F33124}"/>
+              </a:ext>
+            </a:extLst>
+          </p:cNvPr>
+          <p:cNvGrpSpPr/>
+          <p:nvPr/>
+        </p:nvGrpSpPr>
+        <p:grpSpPr>
+          <a:xfrm>
+            <a:off x="5628169" y="3383179"/>
+            <a:ext cx="1119600" cy="296280"/>
+            <a:chOff x="5628169" y="3383179"/>
+            <a:chExt cx="1119600" cy="296280"/>
+          </a:xfrm>
+        </p:grpSpPr>
+        <mc:AlternateContent xmlns:mc="http://schemas.openxmlformats.org/markup-compatibility/2006">
+          <mc:Choice xmlns:p14="http://schemas.microsoft.com/office/powerpoint/2010/main" Requires="p14">
+            <p:contentPart p14:bwMode="auto" r:id="rId34">
+              <p14:nvContentPartPr>
+                <p14:cNvPr id="21" name="Ink 20">
+                  <a:extLst>
+                    <a:ext uri="{FF2B5EF4-FFF2-40B4-BE49-F238E27FC236}">
+                      <a16:creationId xmlns:a16="http://schemas.microsoft.com/office/drawing/2014/main" id="{0D809B5E-9982-4F25-B723-3CF908BE8F19}"/>
+                    </a:ext>
+                  </a:extLst>
+                </p14:cNvPr>
+                <p14:cNvContentPartPr/>
+                <p14:nvPr/>
+              </p14:nvContentPartPr>
+              <p14:xfrm>
+                <a:off x="5628169" y="3485419"/>
+                <a:ext cx="219960" cy="138240"/>
+              </p14:xfrm>
+            </p:contentPart>
+          </mc:Choice>
+          <mc:Fallback>
+            <p:pic>
+              <p:nvPicPr>
+                <p:cNvPr id="21" name="Ink 20">
+                  <a:extLst>
+                    <a:ext uri="{FF2B5EF4-FFF2-40B4-BE49-F238E27FC236}">
+                      <a16:creationId xmlns:a16="http://schemas.microsoft.com/office/drawing/2014/main" id="{0D809B5E-9982-4F25-B723-3CF908BE8F19}"/>
+                    </a:ext>
+                  </a:extLst>
+                </p:cNvPr>
+                <p:cNvPicPr/>
+                <p:nvPr/>
+              </p:nvPicPr>
+              <p:blipFill>
+                <a:blip r:embed="rId35"/>
+                <a:stretch>
+                  <a:fillRect/>
+                </a:stretch>
+              </p:blipFill>
+              <p:spPr>
+                <a:xfrm>
+                  <a:off x="5619529" y="3476419"/>
+                  <a:ext cx="237600" cy="155880"/>
+                </a:xfrm>
+                <a:prstGeom prst="rect">
+                  <a:avLst/>
+                </a:prstGeom>
+              </p:spPr>
+            </p:pic>
+          </mc:Fallback>
+        </mc:AlternateContent>
+        <mc:AlternateContent xmlns:mc="http://schemas.openxmlformats.org/markup-compatibility/2006">
+          <mc:Choice xmlns:p14="http://schemas.microsoft.com/office/powerpoint/2010/main" Requires="p14">
+            <p:contentPart p14:bwMode="auto" r:id="rId36">
+              <p14:nvContentPartPr>
+                <p14:cNvPr id="22" name="Ink 21">
+                  <a:extLst>
+                    <a:ext uri="{FF2B5EF4-FFF2-40B4-BE49-F238E27FC236}">
+                      <a16:creationId xmlns:a16="http://schemas.microsoft.com/office/drawing/2014/main" id="{00C444B2-7362-4167-B935-76693BEC1CBE}"/>
+                    </a:ext>
+                  </a:extLst>
+                </p14:cNvPr>
+                <p14:cNvContentPartPr/>
+                <p14:nvPr/>
+              </p14:nvContentPartPr>
+              <p14:xfrm>
+                <a:off x="5978449" y="3502699"/>
+                <a:ext cx="157320" cy="176760"/>
+              </p14:xfrm>
+            </p:contentPart>
+          </mc:Choice>
+          <mc:Fallback>
+            <p:pic>
+              <p:nvPicPr>
+                <p:cNvPr id="22" name="Ink 21">
+                  <a:extLst>
+                    <a:ext uri="{FF2B5EF4-FFF2-40B4-BE49-F238E27FC236}">
+                      <a16:creationId xmlns:a16="http://schemas.microsoft.com/office/drawing/2014/main" id="{00C444B2-7362-4167-B935-76693BEC1CBE}"/>
+                    </a:ext>
+                  </a:extLst>
+                </p:cNvPr>
+                <p:cNvPicPr/>
+                <p:nvPr/>
+              </p:nvPicPr>
+              <p:blipFill>
+                <a:blip r:embed="rId37"/>
+                <a:stretch>
+                  <a:fillRect/>
+                </a:stretch>
+              </p:blipFill>
+              <p:spPr>
+                <a:xfrm>
+                  <a:off x="5969449" y="3494059"/>
+                  <a:ext cx="174960" cy="194400"/>
+                </a:xfrm>
+                <a:prstGeom prst="rect">
+                  <a:avLst/>
+                </a:prstGeom>
+              </p:spPr>
+            </p:pic>
+          </mc:Fallback>
+        </mc:AlternateContent>
+        <mc:AlternateContent xmlns:mc="http://schemas.openxmlformats.org/markup-compatibility/2006">
+          <mc:Choice xmlns:p14="http://schemas.microsoft.com/office/powerpoint/2010/main" Requires="p14">
+            <p:contentPart p14:bwMode="auto" r:id="rId38">
+              <p14:nvContentPartPr>
+                <p14:cNvPr id="23" name="Ink 22">
+                  <a:extLst>
+                    <a:ext uri="{FF2B5EF4-FFF2-40B4-BE49-F238E27FC236}">
+                      <a16:creationId xmlns:a16="http://schemas.microsoft.com/office/drawing/2014/main" id="{D3491659-1CD1-4933-9904-F7FCBEFCDCAB}"/>
+                    </a:ext>
+                  </a:extLst>
+                </p14:cNvPr>
+                <p14:cNvContentPartPr/>
+                <p14:nvPr/>
+              </p14:nvContentPartPr>
+              <p14:xfrm>
+                <a:off x="6180769" y="3383179"/>
+                <a:ext cx="56160" cy="187920"/>
+              </p14:xfrm>
+            </p:contentPart>
+          </mc:Choice>
+          <mc:Fallback>
+            <p:pic>
+              <p:nvPicPr>
+                <p:cNvPr id="23" name="Ink 22">
+                  <a:extLst>
+                    <a:ext uri="{FF2B5EF4-FFF2-40B4-BE49-F238E27FC236}">
+                      <a16:creationId xmlns:a16="http://schemas.microsoft.com/office/drawing/2014/main" id="{D3491659-1CD1-4933-9904-F7FCBEFCDCAB}"/>
+                    </a:ext>
+                  </a:extLst>
+                </p:cNvPr>
+                <p:cNvPicPr/>
+                <p:nvPr/>
+              </p:nvPicPr>
+              <p:blipFill>
+                <a:blip r:embed="rId39"/>
+                <a:stretch>
+                  <a:fillRect/>
+                </a:stretch>
+              </p:blipFill>
+              <p:spPr>
+                <a:xfrm>
+                  <a:off x="6171769" y="3374539"/>
+                  <a:ext cx="73800" cy="205560"/>
+                </a:xfrm>
+                <a:prstGeom prst="rect">
+                  <a:avLst/>
+                </a:prstGeom>
+              </p:spPr>
+            </p:pic>
+          </mc:Fallback>
+        </mc:AlternateContent>
+        <mc:AlternateContent xmlns:mc="http://schemas.openxmlformats.org/markup-compatibility/2006">
+          <mc:Choice xmlns:p14="http://schemas.microsoft.com/office/powerpoint/2010/main" Requires="p14">
+            <p:contentPart p14:bwMode="auto" r:id="rId40">
+              <p14:nvContentPartPr>
+                <p14:cNvPr id="24" name="Ink 23">
+                  <a:extLst>
+                    <a:ext uri="{FF2B5EF4-FFF2-40B4-BE49-F238E27FC236}">
+                      <a16:creationId xmlns:a16="http://schemas.microsoft.com/office/drawing/2014/main" id="{0EBD6571-2F2B-403E-A80A-D348288A96C7}"/>
+                    </a:ext>
+                  </a:extLst>
+                </p14:cNvPr>
+                <p14:cNvContentPartPr/>
+                <p14:nvPr/>
+              </p14:nvContentPartPr>
+              <p14:xfrm>
+                <a:off x="6258169" y="3474259"/>
+                <a:ext cx="98280" cy="109080"/>
+              </p14:xfrm>
+            </p:contentPart>
+          </mc:Choice>
+          <mc:Fallback>
+            <p:pic>
+              <p:nvPicPr>
+                <p:cNvPr id="24" name="Ink 23">
+                  <a:extLst>
+                    <a:ext uri="{FF2B5EF4-FFF2-40B4-BE49-F238E27FC236}">
+                      <a16:creationId xmlns:a16="http://schemas.microsoft.com/office/drawing/2014/main" id="{0EBD6571-2F2B-403E-A80A-D348288A96C7}"/>
+                    </a:ext>
+                  </a:extLst>
+                </p:cNvPr>
+                <p:cNvPicPr/>
+                <p:nvPr/>
+              </p:nvPicPr>
+              <p:blipFill>
+                <a:blip r:embed="rId41"/>
+                <a:stretch>
+                  <a:fillRect/>
+                </a:stretch>
+              </p:blipFill>
+              <p:spPr>
+                <a:xfrm>
+                  <a:off x="6249169" y="3465259"/>
+                  <a:ext cx="115920" cy="126720"/>
+                </a:xfrm>
+                <a:prstGeom prst="rect">
+                  <a:avLst/>
+                </a:prstGeom>
+              </p:spPr>
+            </p:pic>
+          </mc:Fallback>
+        </mc:AlternateContent>
+        <mc:AlternateContent xmlns:mc="http://schemas.openxmlformats.org/markup-compatibility/2006">
+          <mc:Choice xmlns:p14="http://schemas.microsoft.com/office/powerpoint/2010/main" Requires="p14">
+            <p:contentPart p14:bwMode="auto" r:id="rId42">
+              <p14:nvContentPartPr>
+                <p14:cNvPr id="25" name="Ink 24">
+                  <a:extLst>
+                    <a:ext uri="{FF2B5EF4-FFF2-40B4-BE49-F238E27FC236}">
+                      <a16:creationId xmlns:a16="http://schemas.microsoft.com/office/drawing/2014/main" id="{08ACD87F-4B19-476B-B1B8-2E76848B7053}"/>
+                    </a:ext>
+                  </a:extLst>
+                </p14:cNvPr>
+                <p14:cNvContentPartPr/>
+                <p14:nvPr/>
+              </p14:nvContentPartPr>
+              <p14:xfrm>
+                <a:off x="6398929" y="3484339"/>
+                <a:ext cx="87120" cy="76680"/>
+              </p14:xfrm>
+            </p:contentPart>
+          </mc:Choice>
+          <mc:Fallback>
+            <p:pic>
+              <p:nvPicPr>
+                <p:cNvPr id="25" name="Ink 24">
+                  <a:extLst>
+                    <a:ext uri="{FF2B5EF4-FFF2-40B4-BE49-F238E27FC236}">
+                      <a16:creationId xmlns:a16="http://schemas.microsoft.com/office/drawing/2014/main" id="{08ACD87F-4B19-476B-B1B8-2E76848B7053}"/>
+                    </a:ext>
+                  </a:extLst>
+                </p:cNvPr>
+                <p:cNvPicPr/>
+                <p:nvPr/>
+              </p:nvPicPr>
+              <p:blipFill>
+                <a:blip r:embed="rId43"/>
+                <a:stretch>
+                  <a:fillRect/>
+                </a:stretch>
+              </p:blipFill>
+              <p:spPr>
+                <a:xfrm>
+                  <a:off x="6389929" y="3475699"/>
+                  <a:ext cx="104760" cy="94320"/>
+                </a:xfrm>
+                <a:prstGeom prst="rect">
+                  <a:avLst/>
+                </a:prstGeom>
+              </p:spPr>
+            </p:pic>
+          </mc:Fallback>
+        </mc:AlternateContent>
+        <mc:AlternateContent xmlns:mc="http://schemas.openxmlformats.org/markup-compatibility/2006">
+          <mc:Choice xmlns:p14="http://schemas.microsoft.com/office/powerpoint/2010/main" Requires="p14">
+            <p:contentPart p14:bwMode="auto" r:id="rId44">
+              <p14:nvContentPartPr>
+                <p14:cNvPr id="26" name="Ink 25">
+                  <a:extLst>
+                    <a:ext uri="{FF2B5EF4-FFF2-40B4-BE49-F238E27FC236}">
+                      <a16:creationId xmlns:a16="http://schemas.microsoft.com/office/drawing/2014/main" id="{352F319C-F298-4A3C-9C81-FD5393DE1AAC}"/>
+                    </a:ext>
+                  </a:extLst>
+                </p14:cNvPr>
+                <p14:cNvContentPartPr/>
+                <p14:nvPr/>
+              </p14:nvContentPartPr>
+              <p14:xfrm>
+                <a:off x="6536809" y="3480379"/>
+                <a:ext cx="106920" cy="59760"/>
+              </p14:xfrm>
+            </p:contentPart>
+          </mc:Choice>
+          <mc:Fallback>
+            <p:pic>
+              <p:nvPicPr>
+                <p:cNvPr id="26" name="Ink 25">
+                  <a:extLst>
+                    <a:ext uri="{FF2B5EF4-FFF2-40B4-BE49-F238E27FC236}">
+                      <a16:creationId xmlns:a16="http://schemas.microsoft.com/office/drawing/2014/main" id="{352F319C-F298-4A3C-9C81-FD5393DE1AAC}"/>
+                    </a:ext>
+                  </a:extLst>
+                </p:cNvPr>
+                <p:cNvPicPr/>
+                <p:nvPr/>
+              </p:nvPicPr>
+              <p:blipFill>
+                <a:blip r:embed="rId45"/>
+                <a:stretch>
+                  <a:fillRect/>
+                </a:stretch>
+              </p:blipFill>
+              <p:spPr>
+                <a:xfrm>
+                  <a:off x="6527809" y="3471739"/>
+                  <a:ext cx="124560" cy="77400"/>
+                </a:xfrm>
+                <a:prstGeom prst="rect">
+                  <a:avLst/>
+                </a:prstGeom>
+              </p:spPr>
+            </p:pic>
+          </mc:Fallback>
+        </mc:AlternateContent>
+        <mc:AlternateContent xmlns:mc="http://schemas.openxmlformats.org/markup-compatibility/2006">
+          <mc:Choice xmlns:p14="http://schemas.microsoft.com/office/powerpoint/2010/main" Requires="p14">
+            <p:contentPart p14:bwMode="auto" r:id="rId46">
+              <p14:nvContentPartPr>
+                <p14:cNvPr id="27" name="Ink 26">
+                  <a:extLst>
+                    <a:ext uri="{FF2B5EF4-FFF2-40B4-BE49-F238E27FC236}">
+                      <a16:creationId xmlns:a16="http://schemas.microsoft.com/office/drawing/2014/main" id="{FC8A19A9-4DAC-4CE9-BFFA-F0132188EC3C}"/>
+                    </a:ext>
+                  </a:extLst>
+                </p14:cNvPr>
+                <p14:cNvContentPartPr/>
+                <p14:nvPr/>
+              </p14:nvContentPartPr>
+              <p14:xfrm>
+                <a:off x="6657409" y="3457339"/>
+                <a:ext cx="90360" cy="112680"/>
+              </p14:xfrm>
+            </p:contentPart>
+          </mc:Choice>
+          <mc:Fallback>
+            <p:pic>
+              <p:nvPicPr>
+                <p:cNvPr id="27" name="Ink 26">
+                  <a:extLst>
+                    <a:ext uri="{FF2B5EF4-FFF2-40B4-BE49-F238E27FC236}">
+                      <a16:creationId xmlns:a16="http://schemas.microsoft.com/office/drawing/2014/main" id="{FC8A19A9-4DAC-4CE9-BFFA-F0132188EC3C}"/>
+                    </a:ext>
+                  </a:extLst>
+                </p:cNvPr>
+                <p:cNvPicPr/>
+                <p:nvPr/>
+              </p:nvPicPr>
+              <p:blipFill>
+                <a:blip r:embed="rId47"/>
+                <a:stretch>
+                  <a:fillRect/>
+                </a:stretch>
+              </p:blipFill>
+              <p:spPr>
+                <a:xfrm>
+                  <a:off x="6648409" y="3448699"/>
+                  <a:ext cx="108000" cy="130320"/>
+                </a:xfrm>
+                <a:prstGeom prst="rect">
+                  <a:avLst/>
+                </a:prstGeom>
+              </p:spPr>
+            </p:pic>
+          </mc:Fallback>
+        </mc:AlternateContent>
+      </p:grpSp>
+      <mc:AlternateContent xmlns:mc="http://schemas.openxmlformats.org/markup-compatibility/2006">
+        <mc:Choice xmlns:p14="http://schemas.microsoft.com/office/powerpoint/2010/main" Requires="p14">
+          <p:contentPart p14:bwMode="auto" r:id="rId48">
+            <p14:nvContentPartPr>
+              <p14:cNvPr id="29" name="Ink 28">
+                <a:extLst>
+                  <a:ext uri="{FF2B5EF4-FFF2-40B4-BE49-F238E27FC236}">
+                    <a16:creationId xmlns:a16="http://schemas.microsoft.com/office/drawing/2014/main" id="{A80FEF7C-7434-43F8-B132-D57130E90DB7}"/>
+                  </a:ext>
+                </a:extLst>
+              </p14:cNvPr>
+              <p14:cNvContentPartPr/>
+              <p14:nvPr/>
+            </p14:nvContentPartPr>
+            <p14:xfrm>
+              <a:off x="1770049" y="4165459"/>
+              <a:ext cx="1781640" cy="38160"/>
+            </p14:xfrm>
+          </p:contentPart>
+        </mc:Choice>
+        <mc:Fallback>
+          <p:pic>
+            <p:nvPicPr>
+              <p:cNvPr id="29" name="Ink 28">
+                <a:extLst>
+                  <a:ext uri="{FF2B5EF4-FFF2-40B4-BE49-F238E27FC236}">
+                    <a16:creationId xmlns:a16="http://schemas.microsoft.com/office/drawing/2014/main" id="{A80FEF7C-7434-43F8-B132-D57130E90DB7}"/>
+                  </a:ext>
+                </a:extLst>
+              </p:cNvPr>
+              <p:cNvPicPr/>
+              <p:nvPr/>
+            </p:nvPicPr>
+            <p:blipFill>
+              <a:blip r:embed="rId49"/>
+              <a:stretch>
+                <a:fillRect/>
+              </a:stretch>
+            </p:blipFill>
+            <p:spPr>
+              <a:xfrm>
+                <a:off x="1761409" y="4156819"/>
+                <a:ext cx="1799280" cy="55800"/>
+              </a:xfrm>
+              <a:prstGeom prst="rect">
+                <a:avLst/>
+              </a:prstGeom>
+            </p:spPr>
+          </p:pic>
+        </mc:Fallback>
+      </mc:AlternateContent>
+      <mc:AlternateContent xmlns:mc="http://schemas.openxmlformats.org/markup-compatibility/2006">
+        <mc:Choice xmlns:p14="http://schemas.microsoft.com/office/powerpoint/2010/main" Requires="p14">
+          <p:contentPart p14:bwMode="auto" r:id="rId50">
+            <p14:nvContentPartPr>
+              <p14:cNvPr id="30" name="Ink 29">
+                <a:extLst>
+                  <a:ext uri="{FF2B5EF4-FFF2-40B4-BE49-F238E27FC236}">
+                    <a16:creationId xmlns:a16="http://schemas.microsoft.com/office/drawing/2014/main" id="{CEEF68E9-5231-4B5D-B0B1-BA4F1FBE51A3}"/>
+                  </a:ext>
+                </a:extLst>
+              </p14:cNvPr>
+              <p14:cNvContentPartPr/>
+              <p14:nvPr/>
+            </p14:nvContentPartPr>
+            <p14:xfrm>
+              <a:off x="3022129" y="4581619"/>
+              <a:ext cx="1113120" cy="27720"/>
+            </p14:xfrm>
+          </p:contentPart>
+        </mc:Choice>
+        <mc:Fallback>
+          <p:pic>
+            <p:nvPicPr>
+              <p:cNvPr id="30" name="Ink 29">
+                <a:extLst>
+                  <a:ext uri="{FF2B5EF4-FFF2-40B4-BE49-F238E27FC236}">
+                    <a16:creationId xmlns:a16="http://schemas.microsoft.com/office/drawing/2014/main" id="{CEEF68E9-5231-4B5D-B0B1-BA4F1FBE51A3}"/>
+                  </a:ext>
+                </a:extLst>
+              </p:cNvPr>
+              <p:cNvPicPr/>
+              <p:nvPr/>
+            </p:nvPicPr>
+            <p:blipFill>
+              <a:blip r:embed="rId51"/>
+              <a:stretch>
+                <a:fillRect/>
+              </a:stretch>
+            </p:blipFill>
+            <p:spPr>
+              <a:xfrm>
+                <a:off x="3013489" y="4572979"/>
+                <a:ext cx="1130760" cy="45360"/>
+              </a:xfrm>
+              <a:prstGeom prst="rect">
+                <a:avLst/>
+              </a:prstGeom>
+            </p:spPr>
+          </p:pic>
+        </mc:Fallback>
+      </mc:AlternateContent>
+      <p:grpSp>
+        <p:nvGrpSpPr>
+          <p:cNvPr id="33" name="Group 32">
+            <a:extLst>
+              <a:ext uri="{FF2B5EF4-FFF2-40B4-BE49-F238E27FC236}">
+                <a16:creationId xmlns:a16="http://schemas.microsoft.com/office/drawing/2014/main" id="{E815650D-7052-4A0E-BDFA-7A033F0A0AA7}"/>
+              </a:ext>
+            </a:extLst>
+          </p:cNvPr>
+          <p:cNvGrpSpPr/>
+          <p:nvPr/>
+        </p:nvGrpSpPr>
+        <p:grpSpPr>
+          <a:xfrm>
+            <a:off x="3461689" y="4719499"/>
+            <a:ext cx="132480" cy="254160"/>
+            <a:chOff x="3461689" y="4719499"/>
+            <a:chExt cx="132480" cy="254160"/>
+          </a:xfrm>
+        </p:grpSpPr>
+        <mc:AlternateContent xmlns:mc="http://schemas.openxmlformats.org/markup-compatibility/2006">
+          <mc:Choice xmlns:p14="http://schemas.microsoft.com/office/powerpoint/2010/main" Requires="p14">
+            <p:contentPart p14:bwMode="auto" r:id="rId52">
+              <p14:nvContentPartPr>
+                <p14:cNvPr id="31" name="Ink 30">
+                  <a:extLst>
+                    <a:ext uri="{FF2B5EF4-FFF2-40B4-BE49-F238E27FC236}">
+                      <a16:creationId xmlns:a16="http://schemas.microsoft.com/office/drawing/2014/main" id="{E2667054-1856-4BFB-A155-30F18BD2D2B7}"/>
+                    </a:ext>
+                  </a:extLst>
+                </p14:cNvPr>
+                <p14:cNvContentPartPr/>
+                <p14:nvPr/>
+              </p14:nvContentPartPr>
+              <p14:xfrm>
+                <a:off x="3508129" y="4719499"/>
+                <a:ext cx="33840" cy="254160"/>
+              </p14:xfrm>
+            </p:contentPart>
+          </mc:Choice>
+          <mc:Fallback>
+            <p:pic>
+              <p:nvPicPr>
+                <p:cNvPr id="31" name="Ink 30">
+                  <a:extLst>
+                    <a:ext uri="{FF2B5EF4-FFF2-40B4-BE49-F238E27FC236}">
+                      <a16:creationId xmlns:a16="http://schemas.microsoft.com/office/drawing/2014/main" id="{E2667054-1856-4BFB-A155-30F18BD2D2B7}"/>
+                    </a:ext>
+                  </a:extLst>
+                </p:cNvPr>
+                <p:cNvPicPr/>
+                <p:nvPr/>
+              </p:nvPicPr>
+              <p:blipFill>
+                <a:blip r:embed="rId53"/>
+                <a:stretch>
+                  <a:fillRect/>
+                </a:stretch>
+              </p:blipFill>
+              <p:spPr>
+                <a:xfrm>
+                  <a:off x="3499129" y="4710859"/>
+                  <a:ext cx="51480" cy="271800"/>
+                </a:xfrm>
+                <a:prstGeom prst="rect">
+                  <a:avLst/>
+                </a:prstGeom>
+              </p:spPr>
+            </p:pic>
+          </mc:Fallback>
+        </mc:AlternateContent>
+        <mc:AlternateContent xmlns:mc="http://schemas.openxmlformats.org/markup-compatibility/2006">
+          <mc:Choice xmlns:p14="http://schemas.microsoft.com/office/powerpoint/2010/main" Requires="p14">
+            <p:contentPart p14:bwMode="auto" r:id="rId54">
+              <p14:nvContentPartPr>
+                <p14:cNvPr id="32" name="Ink 31">
+                  <a:extLst>
+                    <a:ext uri="{FF2B5EF4-FFF2-40B4-BE49-F238E27FC236}">
+                      <a16:creationId xmlns:a16="http://schemas.microsoft.com/office/drawing/2014/main" id="{81802713-B2D7-4121-BCFB-A80CCD60CDC5}"/>
+                    </a:ext>
+                  </a:extLst>
+                </p14:cNvPr>
+                <p14:cNvContentPartPr/>
+                <p14:nvPr/>
+              </p14:nvContentPartPr>
+              <p14:xfrm>
+                <a:off x="3461689" y="4736059"/>
+                <a:ext cx="132480" cy="101880"/>
+              </p14:xfrm>
+            </p:contentPart>
+          </mc:Choice>
+          <mc:Fallback>
+            <p:pic>
+              <p:nvPicPr>
+                <p:cNvPr id="32" name="Ink 31">
+                  <a:extLst>
+                    <a:ext uri="{FF2B5EF4-FFF2-40B4-BE49-F238E27FC236}">
+                      <a16:creationId xmlns:a16="http://schemas.microsoft.com/office/drawing/2014/main" id="{81802713-B2D7-4121-BCFB-A80CCD60CDC5}"/>
+                    </a:ext>
+                  </a:extLst>
+                </p:cNvPr>
+                <p:cNvPicPr/>
+                <p:nvPr/>
+              </p:nvPicPr>
+              <p:blipFill>
+                <a:blip r:embed="rId55"/>
+                <a:stretch>
+                  <a:fillRect/>
+                </a:stretch>
+              </p:blipFill>
+              <p:spPr>
+                <a:xfrm>
+                  <a:off x="3453049" y="4727419"/>
+                  <a:ext cx="150120" cy="119520"/>
+                </a:xfrm>
+                <a:prstGeom prst="rect">
+                  <a:avLst/>
+                </a:prstGeom>
+              </p:spPr>
+            </p:pic>
+          </mc:Fallback>
+        </mc:AlternateContent>
+      </p:grpSp>
     </p:spTree>
     <p:extLst>
       <p:ext uri="{BB962C8B-B14F-4D97-AF65-F5344CB8AC3E}">
